--- a/documentation/Project/NT_Presentation.pptx
+++ b/documentation/Project/NT_Presentation.pptx
@@ -5,29 +5,26 @@
     <p:sldMasterId id="2147483720" r:id="rId1"/>
   </p:sldMasterIdLst>
   <p:notesMasterIdLst>
-    <p:notesMasterId r:id="rId22"/>
+    <p:notesMasterId r:id="rId19"/>
   </p:notesMasterIdLst>
   <p:sldIdLst>
     <p:sldId id="270" r:id="rId2"/>
-    <p:sldId id="257" r:id="rId3"/>
-    <p:sldId id="280" r:id="rId4"/>
-    <p:sldId id="271" r:id="rId5"/>
-    <p:sldId id="281" r:id="rId6"/>
-    <p:sldId id="258" r:id="rId7"/>
-    <p:sldId id="273" r:id="rId8"/>
-    <p:sldId id="282" r:id="rId9"/>
-    <p:sldId id="259" r:id="rId10"/>
-    <p:sldId id="276" r:id="rId11"/>
-    <p:sldId id="278" r:id="rId12"/>
-    <p:sldId id="260" r:id="rId13"/>
-    <p:sldId id="274" r:id="rId14"/>
-    <p:sldId id="279" r:id="rId15"/>
-    <p:sldId id="263" r:id="rId16"/>
-    <p:sldId id="261" r:id="rId17"/>
-    <p:sldId id="262" r:id="rId18"/>
-    <p:sldId id="264" r:id="rId19"/>
-    <p:sldId id="265" r:id="rId20"/>
-    <p:sldId id="266" r:id="rId21"/>
+    <p:sldId id="283" r:id="rId3"/>
+    <p:sldId id="284" r:id="rId4"/>
+    <p:sldId id="280" r:id="rId5"/>
+    <p:sldId id="282" r:id="rId6"/>
+    <p:sldId id="259" r:id="rId7"/>
+    <p:sldId id="276" r:id="rId8"/>
+    <p:sldId id="278" r:id="rId9"/>
+    <p:sldId id="260" r:id="rId10"/>
+    <p:sldId id="279" r:id="rId11"/>
+    <p:sldId id="274" r:id="rId12"/>
+    <p:sldId id="263" r:id="rId13"/>
+    <p:sldId id="261" r:id="rId14"/>
+    <p:sldId id="262" r:id="rId15"/>
+    <p:sldId id="265" r:id="rId16"/>
+    <p:sldId id="264" r:id="rId17"/>
+    <p:sldId id="266" r:id="rId18"/>
   </p:sldIdLst>
   <p:sldSz cx="9144000" cy="6858000" type="screen4x3"/>
   <p:notesSz cx="6858000" cy="9144000"/>
@@ -128,7 +125,7 @@
   </p:defaultTextStyle>
   <p:extLst>
     <p:ext uri="{EFAFB233-063F-42B5-8137-9DF3F51BA10A}">
-      <p15:sldGuideLst xmlns="" xmlns:p15="http://schemas.microsoft.com/office/powerpoint/2012/main">
+      <p15:sldGuideLst xmlns:p15="http://schemas.microsoft.com/office/powerpoint/2012/main" xmlns="">
         <p15:guide id="1" orient="horz" pos="2160">
           <p15:clr>
             <a:srgbClr val="A4A3A4"/>
@@ -149,15 +146,6 @@
 <p:cmAuthorLst xmlns:a="http://schemas.openxmlformats.org/drawingml/2006/main" xmlns:r="http://schemas.openxmlformats.org/officeDocument/2006/relationships" xmlns:p="http://schemas.openxmlformats.org/presentationml/2006/main">
   <p:cmAuthor id="0" name="Landon" initials="" lastIdx="2" clrIdx="0"/>
 </p:cmAuthorLst>
-</file>
-
-<file path=ppt/comments/comment1.xml><?xml version="1.0" encoding="utf-8"?>
-<p:cmLst xmlns:a="http://schemas.openxmlformats.org/drawingml/2006/main" xmlns:r="http://schemas.openxmlformats.org/officeDocument/2006/relationships" xmlns:p="http://schemas.openxmlformats.org/presentationml/2006/main">
-  <p:cm authorId="0" dt="2015-04-14T09:26:09.695" idx="1">
-    <p:pos x="636" y="2886"/>
-    <p:text>Spacing with bullets</p:text>
-  </p:cm>
-</p:cmLst>
 </file>
 
 <file path=ppt/diagrams/colors1.xml><?xml version="1.0" encoding="utf-8"?>
@@ -7563,7 +7551,7 @@
           <a:p>
             <a:fld id="{68618583-4D68-0F4C-82C7-8C62096A557A}" type="datetimeFigureOut">
               <a:rPr lang="en-US" smtClean="0"/>
-              <a:t>4/14/15</a:t>
+              <a:t>4/15/15</a:t>
             </a:fld>
             <a:endParaRPr lang="en-US"/>
           </a:p>
@@ -7963,29 +7951,10 @@
           <a:bodyPr/>
           <a:lstStyle/>
           <a:p>
-            <a:pPr marL="0" marR="0" indent="0" algn="l" defTabSz="457200" rtl="0" eaLnBrk="1" fontAlgn="auto" latinLnBrk="0" hangingPunct="1">
-              <a:lnSpc>
-                <a:spcPct val="100000"/>
-              </a:lnSpc>
-              <a:spcBef>
-                <a:spcPts val="0"/>
-              </a:spcBef>
-              <a:spcAft>
-                <a:spcPts val="0"/>
-              </a:spcAft>
-              <a:buClrTx/>
-              <a:buSzTx/>
-              <a:buFontTx/>
-              <a:buNone/>
-              <a:tabLst/>
-              <a:defRPr/>
-            </a:pPr>
             <a:r>
               <a:rPr lang="en-US" dirty="0" smtClean="0"/>
-              <a:t>Collin</a:t>
-            </a:r>
-          </a:p>
-          <a:p>
+              <a:t>Brice</a:t>
+            </a:r>
             <a:endParaRPr lang="en-US" dirty="0"/>
           </a:p>
         </p:txBody>
@@ -8016,7 +7985,7 @@
     </p:spTree>
     <p:extLst>
       <p:ext uri="{BB962C8B-B14F-4D97-AF65-F5344CB8AC3E}">
-        <p14:creationId xmlns:p14="http://schemas.microsoft.com/office/powerpoint/2010/main" val="4186204809"/>
+        <p14:creationId xmlns:p14="http://schemas.microsoft.com/office/powerpoint/2010/main" val="133748608"/>
       </p:ext>
     </p:extLst>
   </p:cSld>
@@ -8072,7 +8041,20 @@
           <a:p>
             <a:r>
               <a:rPr lang="en-US" dirty="0" smtClean="0"/>
-              <a:t>Collin</a:t>
+              <a:t>Brice</a:t>
+            </a:r>
+          </a:p>
+          <a:p>
+            <a:endParaRPr lang="en-US" dirty="0" smtClean="0"/>
+          </a:p>
+          <a:p>
+            <a:r>
+              <a:rPr lang="en-US" dirty="0" smtClean="0"/>
+              <a:t>-</a:t>
+            </a:r>
+            <a:r>
+              <a:rPr lang="en-US" baseline="0" dirty="0" smtClean="0"/>
+              <a:t> Here are the basic functions</a:t>
             </a:r>
             <a:endParaRPr lang="en-US" dirty="0"/>
           </a:p>
@@ -8104,7 +8086,7 @@
     </p:spTree>
     <p:extLst>
       <p:ext uri="{BB962C8B-B14F-4D97-AF65-F5344CB8AC3E}">
-        <p14:creationId xmlns:p14="http://schemas.microsoft.com/office/powerpoint/2010/main" val="137982709"/>
+        <p14:creationId xmlns:p14="http://schemas.microsoft.com/office/powerpoint/2010/main" val="245083776"/>
       </p:ext>
     </p:extLst>
   </p:cSld>
@@ -8160,7 +8142,7 @@
           <a:p>
             <a:r>
               <a:rPr lang="en-US" dirty="0" smtClean="0"/>
-              <a:t>Brice</a:t>
+              <a:t>David</a:t>
             </a:r>
             <a:endParaRPr lang="en-US" dirty="0"/>
           </a:p>
@@ -8192,7 +8174,7 @@
     </p:spTree>
     <p:extLst>
       <p:ext uri="{BB962C8B-B14F-4D97-AF65-F5344CB8AC3E}">
-        <p14:creationId xmlns:p14="http://schemas.microsoft.com/office/powerpoint/2010/main" val="142312386"/>
+        <p14:creationId xmlns:p14="http://schemas.microsoft.com/office/powerpoint/2010/main" val="1194080808"/>
       </p:ext>
     </p:extLst>
   </p:cSld>
@@ -8248,7 +8230,7 @@
           <a:p>
             <a:r>
               <a:rPr lang="en-US" dirty="0" smtClean="0"/>
-              <a:t>Brice</a:t>
+              <a:t>David</a:t>
             </a:r>
             <a:endParaRPr lang="en-US" dirty="0"/>
           </a:p>
@@ -8280,7 +8262,7 @@
     </p:spTree>
     <p:extLst>
       <p:ext uri="{BB962C8B-B14F-4D97-AF65-F5344CB8AC3E}">
-        <p14:creationId xmlns:p14="http://schemas.microsoft.com/office/powerpoint/2010/main" val="245083776"/>
+        <p14:creationId xmlns:p14="http://schemas.microsoft.com/office/powerpoint/2010/main" val="992285983"/>
       </p:ext>
     </p:extLst>
   </p:cSld>
@@ -8336,7 +8318,7 @@
           <a:p>
             <a:r>
               <a:rPr lang="en-US" dirty="0" smtClean="0"/>
-              <a:t>Brice</a:t>
+              <a:t>David</a:t>
             </a:r>
             <a:endParaRPr lang="en-US" dirty="0"/>
           </a:p>
@@ -8368,7 +8350,7 @@
     </p:spTree>
     <p:extLst>
       <p:ext uri="{BB962C8B-B14F-4D97-AF65-F5344CB8AC3E}">
-        <p14:creationId xmlns:p14="http://schemas.microsoft.com/office/powerpoint/2010/main" val="133748608"/>
+        <p14:creationId xmlns:p14="http://schemas.microsoft.com/office/powerpoint/2010/main" val="1208001468"/>
       </p:ext>
     </p:extLst>
   </p:cSld>
@@ -8424,7 +8406,17 @@
           <a:p>
             <a:r>
               <a:rPr lang="en-US" dirty="0" smtClean="0"/>
-              <a:t>David</a:t>
+              <a:t>Collin (searching) </a:t>
+            </a:r>
+            <a:r>
+              <a:rPr lang="en-US" baseline="0" dirty="0" smtClean="0"/>
+              <a:t> /</a:t>
+            </a:r>
+          </a:p>
+          <a:p>
+            <a:r>
+              <a:rPr lang="en-US" baseline="0" dirty="0" smtClean="0"/>
+              <a:t> David (Analyzing)</a:t>
             </a:r>
             <a:endParaRPr lang="en-US" dirty="0"/>
           </a:p>
@@ -8456,7 +8448,7 @@
     </p:spTree>
     <p:extLst>
       <p:ext uri="{BB962C8B-B14F-4D97-AF65-F5344CB8AC3E}">
-        <p14:creationId xmlns:p14="http://schemas.microsoft.com/office/powerpoint/2010/main" val="1194080808"/>
+        <p14:creationId xmlns:p14="http://schemas.microsoft.com/office/powerpoint/2010/main" val="643250045"/>
       </p:ext>
     </p:extLst>
   </p:cSld>
@@ -8512,7 +8504,7 @@
           <a:p>
             <a:r>
               <a:rPr lang="en-US" dirty="0" smtClean="0"/>
-              <a:t>David</a:t>
+              <a:t>Landon</a:t>
             </a:r>
             <a:endParaRPr lang="en-US" dirty="0"/>
           </a:p>
@@ -8544,281 +8536,7 @@
     </p:spTree>
     <p:extLst>
       <p:ext uri="{BB962C8B-B14F-4D97-AF65-F5344CB8AC3E}">
-        <p14:creationId xmlns:p14="http://schemas.microsoft.com/office/powerpoint/2010/main" val="992285983"/>
-      </p:ext>
-    </p:extLst>
-  </p:cSld>
-  <p:clrMapOvr>
-    <a:masterClrMapping/>
-  </p:clrMapOvr>
-</p:notes>
-</file>
-
-<file path=ppt/notesSlides/notesSlide17.xml><?xml version="1.0" encoding="utf-8"?>
-<p:notes xmlns:a="http://schemas.openxmlformats.org/drawingml/2006/main" xmlns:r="http://schemas.openxmlformats.org/officeDocument/2006/relationships" xmlns:p="http://schemas.openxmlformats.org/presentationml/2006/main">
-  <p:cSld>
-    <p:spTree>
-      <p:nvGrpSpPr>
-        <p:cNvPr id="1" name=""/>
-        <p:cNvGrpSpPr/>
-        <p:nvPr/>
-      </p:nvGrpSpPr>
-      <p:grpSpPr>
-        <a:xfrm>
-          <a:off x="0" y="0"/>
-          <a:ext cx="0" cy="0"/>
-          <a:chOff x="0" y="0"/>
-          <a:chExt cx="0" cy="0"/>
-        </a:xfrm>
-      </p:grpSpPr>
-      <p:sp>
-        <p:nvSpPr>
-          <p:cNvPr id="2" name="Slide Image Placeholder 1"/>
-          <p:cNvSpPr>
-            <a:spLocks noGrp="1" noRot="1" noChangeAspect="1"/>
-          </p:cNvSpPr>
-          <p:nvPr>
-            <p:ph type="sldImg"/>
-          </p:nvPr>
-        </p:nvSpPr>
-        <p:spPr/>
-      </p:sp>
-      <p:sp>
-        <p:nvSpPr>
-          <p:cNvPr id="3" name="Notes Placeholder 2"/>
-          <p:cNvSpPr>
-            <a:spLocks noGrp="1"/>
-          </p:cNvSpPr>
-          <p:nvPr>
-            <p:ph type="body" idx="1"/>
-          </p:nvPr>
-        </p:nvSpPr>
-        <p:spPr/>
-        <p:txBody>
-          <a:bodyPr/>
-          <a:lstStyle/>
-          <a:p>
-            <a:r>
-              <a:rPr lang="en-US" dirty="0" smtClean="0"/>
-              <a:t>David</a:t>
-            </a:r>
-            <a:endParaRPr lang="en-US" dirty="0"/>
-          </a:p>
-        </p:txBody>
-      </p:sp>
-      <p:sp>
-        <p:nvSpPr>
-          <p:cNvPr id="4" name="Slide Number Placeholder 3"/>
-          <p:cNvSpPr>
-            <a:spLocks noGrp="1"/>
-          </p:cNvSpPr>
-          <p:nvPr>
-            <p:ph type="sldNum" sz="quarter" idx="10"/>
-          </p:nvPr>
-        </p:nvSpPr>
-        <p:spPr/>
-        <p:txBody>
-          <a:bodyPr/>
-          <a:lstStyle/>
-          <a:p>
-            <a:fld id="{B18D7CF8-7D9A-BB4A-92A4-1804A508F6DF}" type="slidenum">
-              <a:rPr lang="en-US" smtClean="0"/>
-              <a:t>17</a:t>
-            </a:fld>
-            <a:endParaRPr lang="en-US"/>
-          </a:p>
-        </p:txBody>
-      </p:sp>
-    </p:spTree>
-    <p:extLst>
-      <p:ext uri="{BB962C8B-B14F-4D97-AF65-F5344CB8AC3E}">
-        <p14:creationId xmlns:p14="http://schemas.microsoft.com/office/powerpoint/2010/main" val="1208001468"/>
-      </p:ext>
-    </p:extLst>
-  </p:cSld>
-  <p:clrMapOvr>
-    <a:masterClrMapping/>
-  </p:clrMapOvr>
-</p:notes>
-</file>
-
-<file path=ppt/notesSlides/notesSlide18.xml><?xml version="1.0" encoding="utf-8"?>
-<p:notes xmlns:a="http://schemas.openxmlformats.org/drawingml/2006/main" xmlns:r="http://schemas.openxmlformats.org/officeDocument/2006/relationships" xmlns:p="http://schemas.openxmlformats.org/presentationml/2006/main">
-  <p:cSld>
-    <p:spTree>
-      <p:nvGrpSpPr>
-        <p:cNvPr id="1" name=""/>
-        <p:cNvGrpSpPr/>
-        <p:nvPr/>
-      </p:nvGrpSpPr>
-      <p:grpSpPr>
-        <a:xfrm>
-          <a:off x="0" y="0"/>
-          <a:ext cx="0" cy="0"/>
-          <a:chOff x="0" y="0"/>
-          <a:chExt cx="0" cy="0"/>
-        </a:xfrm>
-      </p:grpSpPr>
-      <p:sp>
-        <p:nvSpPr>
-          <p:cNvPr id="2" name="Slide Image Placeholder 1"/>
-          <p:cNvSpPr>
-            <a:spLocks noGrp="1" noRot="1" noChangeAspect="1"/>
-          </p:cNvSpPr>
-          <p:nvPr>
-            <p:ph type="sldImg"/>
-          </p:nvPr>
-        </p:nvSpPr>
-        <p:spPr/>
-      </p:sp>
-      <p:sp>
-        <p:nvSpPr>
-          <p:cNvPr id="3" name="Notes Placeholder 2"/>
-          <p:cNvSpPr>
-            <a:spLocks noGrp="1"/>
-          </p:cNvSpPr>
-          <p:nvPr>
-            <p:ph type="body" idx="1"/>
-          </p:nvPr>
-        </p:nvSpPr>
-        <p:spPr/>
-        <p:txBody>
-          <a:bodyPr/>
-          <a:lstStyle/>
-          <a:p>
-            <a:r>
-              <a:rPr lang="en-US" dirty="0" smtClean="0"/>
-              <a:t>Landon</a:t>
-            </a:r>
-            <a:endParaRPr lang="en-US" dirty="0"/>
-          </a:p>
-        </p:txBody>
-      </p:sp>
-      <p:sp>
-        <p:nvSpPr>
-          <p:cNvPr id="4" name="Slide Number Placeholder 3"/>
-          <p:cNvSpPr>
-            <a:spLocks noGrp="1"/>
-          </p:cNvSpPr>
-          <p:nvPr>
-            <p:ph type="sldNum" sz="quarter" idx="10"/>
-          </p:nvPr>
-        </p:nvSpPr>
-        <p:spPr/>
-        <p:txBody>
-          <a:bodyPr/>
-          <a:lstStyle/>
-          <a:p>
-            <a:fld id="{B18D7CF8-7D9A-BB4A-92A4-1804A508F6DF}" type="slidenum">
-              <a:rPr lang="en-US" smtClean="0"/>
-              <a:t>18</a:t>
-            </a:fld>
-            <a:endParaRPr lang="en-US"/>
-          </a:p>
-        </p:txBody>
-      </p:sp>
-    </p:spTree>
-    <p:extLst>
-      <p:ext uri="{BB962C8B-B14F-4D97-AF65-F5344CB8AC3E}">
         <p14:creationId xmlns:p14="http://schemas.microsoft.com/office/powerpoint/2010/main" val="3498896346"/>
-      </p:ext>
-    </p:extLst>
-  </p:cSld>
-  <p:clrMapOvr>
-    <a:masterClrMapping/>
-  </p:clrMapOvr>
-</p:notes>
-</file>
-
-<file path=ppt/notesSlides/notesSlide19.xml><?xml version="1.0" encoding="utf-8"?>
-<p:notes xmlns:a="http://schemas.openxmlformats.org/drawingml/2006/main" xmlns:r="http://schemas.openxmlformats.org/officeDocument/2006/relationships" xmlns:p="http://schemas.openxmlformats.org/presentationml/2006/main">
-  <p:cSld>
-    <p:spTree>
-      <p:nvGrpSpPr>
-        <p:cNvPr id="1" name=""/>
-        <p:cNvGrpSpPr/>
-        <p:nvPr/>
-      </p:nvGrpSpPr>
-      <p:grpSpPr>
-        <a:xfrm>
-          <a:off x="0" y="0"/>
-          <a:ext cx="0" cy="0"/>
-          <a:chOff x="0" y="0"/>
-          <a:chExt cx="0" cy="0"/>
-        </a:xfrm>
-      </p:grpSpPr>
-      <p:sp>
-        <p:nvSpPr>
-          <p:cNvPr id="2" name="Slide Image Placeholder 1"/>
-          <p:cNvSpPr>
-            <a:spLocks noGrp="1" noRot="1" noChangeAspect="1"/>
-          </p:cNvSpPr>
-          <p:nvPr>
-            <p:ph type="sldImg"/>
-          </p:nvPr>
-        </p:nvSpPr>
-        <p:spPr/>
-      </p:sp>
-      <p:sp>
-        <p:nvSpPr>
-          <p:cNvPr id="3" name="Notes Placeholder 2"/>
-          <p:cNvSpPr>
-            <a:spLocks noGrp="1"/>
-          </p:cNvSpPr>
-          <p:nvPr>
-            <p:ph type="body" idx="1"/>
-          </p:nvPr>
-        </p:nvSpPr>
-        <p:spPr/>
-        <p:txBody>
-          <a:bodyPr/>
-          <a:lstStyle/>
-          <a:p>
-            <a:r>
-              <a:rPr lang="en-US" dirty="0" smtClean="0"/>
-              <a:t>Collin (searching) </a:t>
-            </a:r>
-            <a:r>
-              <a:rPr lang="en-US" baseline="0" dirty="0" smtClean="0"/>
-              <a:t> /</a:t>
-            </a:r>
-          </a:p>
-          <a:p>
-            <a:r>
-              <a:rPr lang="en-US" baseline="0" dirty="0" smtClean="0"/>
-              <a:t> David (Analyzing)</a:t>
-            </a:r>
-            <a:endParaRPr lang="en-US" dirty="0"/>
-          </a:p>
-        </p:txBody>
-      </p:sp>
-      <p:sp>
-        <p:nvSpPr>
-          <p:cNvPr id="4" name="Slide Number Placeholder 3"/>
-          <p:cNvSpPr>
-            <a:spLocks noGrp="1"/>
-          </p:cNvSpPr>
-          <p:nvPr>
-            <p:ph type="sldNum" sz="quarter" idx="10"/>
-          </p:nvPr>
-        </p:nvSpPr>
-        <p:spPr/>
-        <p:txBody>
-          <a:bodyPr/>
-          <a:lstStyle/>
-          <a:p>
-            <a:fld id="{B18D7CF8-7D9A-BB4A-92A4-1804A508F6DF}" type="slidenum">
-              <a:rPr lang="en-US" smtClean="0"/>
-              <a:t>19</a:t>
-            </a:fld>
-            <a:endParaRPr lang="en-US"/>
-          </a:p>
-        </p:txBody>
-      </p:sp>
-    </p:spTree>
-    <p:extLst>
-      <p:ext uri="{BB962C8B-B14F-4D97-AF65-F5344CB8AC3E}">
-        <p14:creationId xmlns:p14="http://schemas.microsoft.com/office/powerpoint/2010/main" val="643250045"/>
       </p:ext>
     </p:extLst>
   </p:cSld>
@@ -8906,7 +8624,7 @@
     </p:spTree>
     <p:extLst>
       <p:ext uri="{BB962C8B-B14F-4D97-AF65-F5344CB8AC3E}">
-        <p14:creationId xmlns:p14="http://schemas.microsoft.com/office/powerpoint/2010/main" val="2545509208"/>
+        <p14:creationId xmlns:p14="http://schemas.microsoft.com/office/powerpoint/2010/main" val="4230896497"/>
       </p:ext>
     </p:extLst>
   </p:cSld>
@@ -8962,8 +8680,46 @@
           <a:p>
             <a:r>
               <a:rPr lang="en-US" dirty="0" smtClean="0"/>
-              <a:t>Landon</a:t>
-            </a:r>
+              <a:t>Landon </a:t>
+            </a:r>
+          </a:p>
+          <a:p>
+            <a:endParaRPr lang="en-US" dirty="0" smtClean="0"/>
+          </a:p>
+          <a:p>
+            <a:r>
+              <a:rPr lang="en-US" dirty="0" smtClean="0"/>
+              <a:t>That could lead to three answers to this problem. </a:t>
+            </a:r>
+          </a:p>
+          <a:p>
+            <a:r>
+              <a:rPr lang="en-US" dirty="0" smtClean="0"/>
+              <a:t>1. How interconnected</a:t>
+            </a:r>
+            <a:r>
+              <a:rPr lang="en-US" baseline="0" dirty="0" smtClean="0"/>
+              <a:t> are these Organized crime groups involved in these crimes</a:t>
+            </a:r>
+          </a:p>
+          <a:p>
+            <a:r>
+              <a:rPr lang="en-US" dirty="0" smtClean="0"/>
+              <a:t>2. What types of </a:t>
+            </a:r>
+            <a:r>
+              <a:rPr lang="en-US" baseline="0" dirty="0" smtClean="0"/>
+              <a:t>Organized crime groups take part in human trafficking</a:t>
+            </a:r>
+          </a:p>
+          <a:p>
+            <a:r>
+              <a:rPr lang="en-US" baseline="0" dirty="0" smtClean="0"/>
+              <a:t>3. What is the possibility to prevent human trafficking</a:t>
+            </a:r>
+            <a:endParaRPr lang="en-US" dirty="0" smtClean="0"/>
+          </a:p>
+          <a:p>
             <a:endParaRPr lang="en-US" dirty="0"/>
           </a:p>
         </p:txBody>
@@ -8994,7 +8750,7 @@
     </p:spTree>
     <p:extLst>
       <p:ext uri="{BB962C8B-B14F-4D97-AF65-F5344CB8AC3E}">
-        <p14:creationId xmlns:p14="http://schemas.microsoft.com/office/powerpoint/2010/main" val="1409881011"/>
+        <p14:creationId xmlns:p14="http://schemas.microsoft.com/office/powerpoint/2010/main" val="464776407"/>
       </p:ext>
     </p:extLst>
   </p:cSld>
@@ -9082,7 +8838,7 @@
     </p:spTree>
     <p:extLst>
       <p:ext uri="{BB962C8B-B14F-4D97-AF65-F5344CB8AC3E}">
-        <p14:creationId xmlns:p14="http://schemas.microsoft.com/office/powerpoint/2010/main" val="2570404467"/>
+        <p14:creationId xmlns:p14="http://schemas.microsoft.com/office/powerpoint/2010/main" val="1409881011"/>
       </p:ext>
     </p:extLst>
   </p:cSld>
@@ -9138,76 +8894,7 @@
           <a:p>
             <a:r>
               <a:rPr lang="en-US" dirty="0" smtClean="0"/>
-              <a:t>Landon</a:t>
-            </a:r>
-          </a:p>
-          <a:p>
-            <a:r>
-              <a:rPr lang="en-US" dirty="0" smtClean="0"/>
-              <a:t>Database –</a:t>
-            </a:r>
-            <a:r>
-              <a:rPr lang="en-US" baseline="0" dirty="0" smtClean="0"/>
-              <a:t> Need a well structured database to store HT case data that was collected by the NIJ</a:t>
-            </a:r>
-          </a:p>
-          <a:p>
-            <a:r>
-              <a:rPr lang="en-US" baseline="0" dirty="0" smtClean="0"/>
-              <a:t>Web Application – A well designed web application that interfaces with the database to provide</a:t>
-            </a:r>
-          </a:p>
-          <a:p>
-            <a:r>
-              <a:rPr lang="en-US" baseline="0" dirty="0" smtClean="0"/>
-              <a:t>	searching,</a:t>
-            </a:r>
-          </a:p>
-          <a:p>
-            <a:r>
-              <a:rPr lang="en-US" baseline="0" dirty="0" smtClean="0"/>
-              <a:t>	analyzing,</a:t>
-            </a:r>
-          </a:p>
-          <a:p>
-            <a:r>
-              <a:rPr lang="en-US" baseline="0" dirty="0" smtClean="0"/>
-              <a:t>	and maintenance to the database </a:t>
-            </a:r>
-          </a:p>
-          <a:p>
-            <a:endParaRPr lang="en-US" dirty="0" smtClean="0"/>
-          </a:p>
-          <a:p>
-            <a:r>
-              <a:rPr lang="en-US" dirty="0" smtClean="0"/>
-              <a:t>That could lead to three answers to this problem. </a:t>
-            </a:r>
-          </a:p>
-          <a:p>
-            <a:r>
-              <a:rPr lang="en-US" dirty="0" smtClean="0"/>
-              <a:t>1. How interconnected</a:t>
-            </a:r>
-            <a:r>
-              <a:rPr lang="en-US" baseline="0" dirty="0" smtClean="0"/>
-              <a:t> are these Organized crime groups involved in these crimes</a:t>
-            </a:r>
-          </a:p>
-          <a:p>
-            <a:r>
-              <a:rPr lang="en-US" dirty="0" smtClean="0"/>
-              <a:t>2. What types of </a:t>
-            </a:r>
-            <a:r>
-              <a:rPr lang="en-US" baseline="0" dirty="0" smtClean="0"/>
-              <a:t>Organized crime groups take part in human trafficking</a:t>
-            </a:r>
-          </a:p>
-          <a:p>
-            <a:r>
-              <a:rPr lang="en-US" baseline="0" dirty="0" smtClean="0"/>
-              <a:t>3. What is the possibility to prevent human trafficking</a:t>
+              <a:t>Brice</a:t>
             </a:r>
             <a:endParaRPr lang="en-US" dirty="0"/>
           </a:p>
@@ -9239,7 +8926,7 @@
     </p:spTree>
     <p:extLst>
       <p:ext uri="{BB962C8B-B14F-4D97-AF65-F5344CB8AC3E}">
-        <p14:creationId xmlns:p14="http://schemas.microsoft.com/office/powerpoint/2010/main" val="1645067278"/>
+        <p14:creationId xmlns:p14="http://schemas.microsoft.com/office/powerpoint/2010/main" val="4108618475"/>
       </p:ext>
     </p:extLst>
   </p:cSld>
@@ -9295,7 +8982,7 @@
           <a:p>
             <a:r>
               <a:rPr lang="en-US" dirty="0" smtClean="0"/>
-              <a:t>Landon</a:t>
+              <a:t>Collin</a:t>
             </a:r>
             <a:endParaRPr lang="en-US" dirty="0"/>
           </a:p>
@@ -9327,7 +9014,7 @@
     </p:spTree>
     <p:extLst>
       <p:ext uri="{BB962C8B-B14F-4D97-AF65-F5344CB8AC3E}">
-        <p14:creationId xmlns:p14="http://schemas.microsoft.com/office/powerpoint/2010/main" val="2534088016"/>
+        <p14:creationId xmlns:p14="http://schemas.microsoft.com/office/powerpoint/2010/main" val="2083631855"/>
       </p:ext>
     </p:extLst>
   </p:cSld>
@@ -9381,10 +9068,29 @@
           <a:bodyPr/>
           <a:lstStyle/>
           <a:p>
+            <a:pPr marL="0" marR="0" indent="0" algn="l" defTabSz="457200" rtl="0" eaLnBrk="1" fontAlgn="auto" latinLnBrk="0" hangingPunct="1">
+              <a:lnSpc>
+                <a:spcPct val="100000"/>
+              </a:lnSpc>
+              <a:spcBef>
+                <a:spcPts val="0"/>
+              </a:spcBef>
+              <a:spcAft>
+                <a:spcPts val="0"/>
+              </a:spcAft>
+              <a:buClrTx/>
+              <a:buSzTx/>
+              <a:buFontTx/>
+              <a:buNone/>
+              <a:tabLst/>
+              <a:defRPr/>
+            </a:pPr>
             <a:r>
               <a:rPr lang="en-US" dirty="0" smtClean="0"/>
-              <a:t>Brice</a:t>
-            </a:r>
+              <a:t>Collin</a:t>
+            </a:r>
+          </a:p>
+          <a:p>
             <a:endParaRPr lang="en-US" dirty="0"/>
           </a:p>
         </p:txBody>
@@ -9415,7 +9121,7 @@
     </p:spTree>
     <p:extLst>
       <p:ext uri="{BB962C8B-B14F-4D97-AF65-F5344CB8AC3E}">
-        <p14:creationId xmlns:p14="http://schemas.microsoft.com/office/powerpoint/2010/main" val="4108618475"/>
+        <p14:creationId xmlns:p14="http://schemas.microsoft.com/office/powerpoint/2010/main" val="4186204809"/>
       </p:ext>
     </p:extLst>
   </p:cSld>
@@ -9471,7 +9177,7 @@
           <a:p>
             <a:r>
               <a:rPr lang="en-US" dirty="0" smtClean="0"/>
-              <a:t>Brice</a:t>
+              <a:t>Collin</a:t>
             </a:r>
             <a:endParaRPr lang="en-US" dirty="0"/>
           </a:p>
@@ -9503,7 +9209,7 @@
     </p:spTree>
     <p:extLst>
       <p:ext uri="{BB962C8B-B14F-4D97-AF65-F5344CB8AC3E}">
-        <p14:creationId xmlns:p14="http://schemas.microsoft.com/office/powerpoint/2010/main" val="4108618475"/>
+        <p14:creationId xmlns:p14="http://schemas.microsoft.com/office/powerpoint/2010/main" val="137982709"/>
       </p:ext>
     </p:extLst>
   </p:cSld>
@@ -9559,7 +9265,7 @@
           <a:p>
             <a:r>
               <a:rPr lang="en-US" dirty="0" smtClean="0"/>
-              <a:t>Collin</a:t>
+              <a:t>Brice</a:t>
             </a:r>
             <a:endParaRPr lang="en-US" dirty="0"/>
           </a:p>
@@ -9591,7 +9297,7 @@
     </p:spTree>
     <p:extLst>
       <p:ext uri="{BB962C8B-B14F-4D97-AF65-F5344CB8AC3E}">
-        <p14:creationId xmlns:p14="http://schemas.microsoft.com/office/powerpoint/2010/main" val="2083631855"/>
+        <p14:creationId xmlns:p14="http://schemas.microsoft.com/office/powerpoint/2010/main" val="142312386"/>
       </p:ext>
     </p:extLst>
   </p:cSld>
@@ -9744,7 +9450,7 @@
           <a:p>
             <a:fld id="{58257545-B6F8-FF4A-8A8C-2F2D7572AA63}" type="datetimeFigureOut">
               <a:rPr lang="en-US" smtClean="0"/>
-              <a:t>4/13/15</a:t>
+              <a:t>4/15/15</a:t>
             </a:fld>
             <a:endParaRPr lang="en-US"/>
           </a:p>
@@ -10103,7 +9809,7 @@
           <a:p>
             <a:fld id="{58257545-B6F8-FF4A-8A8C-2F2D7572AA63}" type="datetimeFigureOut">
               <a:rPr lang="en-US" smtClean="0"/>
-              <a:t>4/13/15</a:t>
+              <a:t>4/15/15</a:t>
             </a:fld>
             <a:endParaRPr lang="en-US"/>
           </a:p>
@@ -10278,7 +9984,7 @@
           <a:p>
             <a:fld id="{58257545-B6F8-FF4A-8A8C-2F2D7572AA63}" type="datetimeFigureOut">
               <a:rPr lang="en-US" smtClean="0"/>
-              <a:t>4/13/15</a:t>
+              <a:t>4/15/15</a:t>
             </a:fld>
             <a:endParaRPr lang="en-US"/>
           </a:p>
@@ -10513,7 +10219,7 @@
           <a:p>
             <a:fld id="{58257545-B6F8-FF4A-8A8C-2F2D7572AA63}" type="datetimeFigureOut">
               <a:rPr lang="en-US" smtClean="0"/>
-              <a:t>4/13/15</a:t>
+              <a:t>4/15/15</a:t>
             </a:fld>
             <a:endParaRPr lang="en-US"/>
           </a:p>
@@ -10782,7 +10488,7 @@
           <a:p>
             <a:fld id="{58257545-B6F8-FF4A-8A8C-2F2D7572AA63}" type="datetimeFigureOut">
               <a:rPr lang="en-US" smtClean="0"/>
-              <a:t>4/13/15</a:t>
+              <a:t>4/15/15</a:t>
             </a:fld>
             <a:endParaRPr lang="en-US"/>
           </a:p>
@@ -11002,7 +10708,7 @@
           <a:p>
             <a:fld id="{58257545-B6F8-FF4A-8A8C-2F2D7572AA63}" type="datetimeFigureOut">
               <a:rPr lang="en-US" smtClean="0"/>
-              <a:t>4/13/15</a:t>
+              <a:t>4/15/15</a:t>
             </a:fld>
             <a:endParaRPr lang="en-US"/>
           </a:p>
@@ -11354,7 +11060,7 @@
           <a:p>
             <a:fld id="{58257545-B6F8-FF4A-8A8C-2F2D7572AA63}" type="datetimeFigureOut">
               <a:rPr lang="en-US" smtClean="0"/>
-              <a:t>4/13/15</a:t>
+              <a:t>4/15/15</a:t>
             </a:fld>
             <a:endParaRPr lang="en-US"/>
           </a:p>
@@ -11586,7 +11292,7 @@
           <a:p>
             <a:fld id="{58257545-B6F8-FF4A-8A8C-2F2D7572AA63}" type="datetimeFigureOut">
               <a:rPr lang="en-US" smtClean="0"/>
-              <a:t>4/13/15</a:t>
+              <a:t>4/15/15</a:t>
             </a:fld>
             <a:endParaRPr lang="en-US"/>
           </a:p>
@@ -11726,7 +11432,7 @@
           <a:p>
             <a:fld id="{58257545-B6F8-FF4A-8A8C-2F2D7572AA63}" type="datetimeFigureOut">
               <a:rPr lang="en-US" smtClean="0"/>
-              <a:t>4/13/15</a:t>
+              <a:t>4/15/15</a:t>
             </a:fld>
             <a:endParaRPr lang="en-US"/>
           </a:p>
@@ -12003,7 +11709,7 @@
           <a:p>
             <a:fld id="{58257545-B6F8-FF4A-8A8C-2F2D7572AA63}" type="datetimeFigureOut">
               <a:rPr lang="en-US" smtClean="0"/>
-              <a:t>4/13/15</a:t>
+              <a:t>4/15/15</a:t>
             </a:fld>
             <a:endParaRPr lang="en-US"/>
           </a:p>
@@ -12410,7 +12116,7 @@
           <a:p>
             <a:fld id="{58257545-B6F8-FF4A-8A8C-2F2D7572AA63}" type="datetimeFigureOut">
               <a:rPr lang="en-US" smtClean="0"/>
-              <a:t>4/13/15</a:t>
+              <a:t>4/15/15</a:t>
             </a:fld>
             <a:endParaRPr lang="en-US"/>
           </a:p>
@@ -12748,7 +12454,7 @@
           <a:p>
             <a:fld id="{58257545-B6F8-FF4A-8A8C-2F2D7572AA63}" type="datetimeFigureOut">
               <a:rPr lang="en-US" smtClean="0"/>
-              <a:t>4/13/15</a:t>
+              <a:t>4/15/15</a:t>
             </a:fld>
             <a:endParaRPr lang="en-US"/>
           </a:p>
@@ -13435,7 +13141,7 @@
         </p:nvSpPr>
         <p:spPr>
           <a:xfrm>
-            <a:off x="241300" y="5657165"/>
+            <a:off x="241300" y="5486400"/>
             <a:ext cx="4254499" cy="923330"/>
           </a:xfrm>
           <a:prstGeom prst="rect">
@@ -13467,22 +13173,13 @@
               </a:rPr>
               <a:t>Science </a:t>
             </a:r>
-            <a:endParaRPr lang="en-US" dirty="0" smtClean="0">
-              <a:cs typeface="Times New Roman" panose="02020603050405020304" pitchFamily="18" charset="0"/>
-            </a:endParaRPr>
           </a:p>
           <a:p>
             <a:r>
               <a:rPr lang="en-US" dirty="0" smtClean="0">
                 <a:cs typeface="Times New Roman" panose="02020603050405020304" pitchFamily="18" charset="0"/>
               </a:rPr>
-              <a:t>Capstone Project 2014</a:t>
-            </a:r>
-            <a:r>
-              <a:rPr lang="en-US" dirty="0" smtClean="0">
-                <a:cs typeface="Times New Roman" panose="02020603050405020304" pitchFamily="18" charset="0"/>
-              </a:rPr>
-              <a:t>-2015</a:t>
+              <a:t>Capstone Project 2014-2015</a:t>
             </a:r>
             <a:endParaRPr lang="en-US" dirty="0">
               <a:cs typeface="Times New Roman" panose="02020603050405020304" pitchFamily="18" charset="0"/>
@@ -13581,462 +13278,6 @@
 </file>
 
 <file path=ppt/slides/slide10.xml><?xml version="1.0" encoding="utf-8"?>
-<p:sld xmlns:a="http://schemas.openxmlformats.org/drawingml/2006/main" xmlns:r="http://schemas.openxmlformats.org/officeDocument/2006/relationships" xmlns:p="http://schemas.openxmlformats.org/presentationml/2006/main">
-  <p:cSld>
-    <p:spTree>
-      <p:nvGrpSpPr>
-        <p:cNvPr id="1" name=""/>
-        <p:cNvGrpSpPr/>
-        <p:nvPr/>
-      </p:nvGrpSpPr>
-      <p:grpSpPr>
-        <a:xfrm>
-          <a:off x="0" y="0"/>
-          <a:ext cx="0" cy="0"/>
-          <a:chOff x="0" y="0"/>
-          <a:chExt cx="0" cy="0"/>
-        </a:xfrm>
-      </p:grpSpPr>
-      <p:sp>
-        <p:nvSpPr>
-          <p:cNvPr id="2" name="Title 1"/>
-          <p:cNvSpPr>
-            <a:spLocks noGrp="1"/>
-          </p:cNvSpPr>
-          <p:nvPr>
-            <p:ph type="title"/>
-          </p:nvPr>
-        </p:nvSpPr>
-        <p:spPr/>
-        <p:txBody>
-          <a:bodyPr>
-            <a:normAutofit/>
-          </a:bodyPr>
-          <a:lstStyle/>
-          <a:p>
-            <a:r>
-              <a:rPr lang="en-US" sz="5400" dirty="0" smtClean="0"/>
-              <a:t>Database</a:t>
-            </a:r>
-            <a:endParaRPr lang="en-US" sz="5400" dirty="0"/>
-          </a:p>
-        </p:txBody>
-      </p:sp>
-      <p:graphicFrame>
-        <p:nvGraphicFramePr>
-          <p:cNvPr id="47" name="Diagram 46"/>
-          <p:cNvGraphicFramePr/>
-          <p:nvPr>
-            <p:extLst>
-              <p:ext uri="{D42A27DB-BD31-4B8C-83A1-F6EECF244321}">
-                <p14:modId xmlns:p14="http://schemas.microsoft.com/office/powerpoint/2010/main" val="1187488760"/>
-              </p:ext>
-            </p:extLst>
-          </p:nvPr>
-        </p:nvGraphicFramePr>
-        <p:xfrm>
-          <a:off x="466724" y="1200150"/>
-          <a:ext cx="8220075" cy="5124450"/>
-        </p:xfrm>
-        <a:graphic>
-          <a:graphicData uri="http://schemas.openxmlformats.org/drawingml/2006/diagram">
-            <dgm:relIds xmlns:dgm="http://schemas.openxmlformats.org/drawingml/2006/diagram" xmlns:r="http://schemas.openxmlformats.org/officeDocument/2006/relationships" r:dm="rId3" r:lo="rId4" r:qs="rId5" r:cs="rId6"/>
-          </a:graphicData>
-        </a:graphic>
-      </p:graphicFrame>
-    </p:spTree>
-    <p:extLst>
-      <p:ext uri="{BB962C8B-B14F-4D97-AF65-F5344CB8AC3E}">
-        <p14:creationId xmlns:p14="http://schemas.microsoft.com/office/powerpoint/2010/main" val="239560884"/>
-      </p:ext>
-    </p:extLst>
-  </p:cSld>
-  <p:clrMapOvr>
-    <a:masterClrMapping/>
-  </p:clrMapOvr>
-  <p:timing>
-    <p:tnLst>
-      <p:par>
-        <p:cTn xmlns:p14="http://schemas.microsoft.com/office/powerpoint/2010/main" id="1" dur="indefinite" restart="never" nodeType="tmRoot"/>
-      </p:par>
-    </p:tnLst>
-  </p:timing>
-</p:sld>
-</file>
-
-<file path=ppt/slides/slide11.xml><?xml version="1.0" encoding="utf-8"?>
-<p:sld xmlns:a="http://schemas.openxmlformats.org/drawingml/2006/main" xmlns:r="http://schemas.openxmlformats.org/officeDocument/2006/relationships" xmlns:p="http://schemas.openxmlformats.org/presentationml/2006/main">
-  <p:cSld>
-    <p:spTree>
-      <p:nvGrpSpPr>
-        <p:cNvPr id="1" name=""/>
-        <p:cNvGrpSpPr/>
-        <p:nvPr/>
-      </p:nvGrpSpPr>
-      <p:grpSpPr>
-        <a:xfrm>
-          <a:off x="0" y="0"/>
-          <a:ext cx="0" cy="0"/>
-          <a:chOff x="0" y="0"/>
-          <a:chExt cx="0" cy="0"/>
-        </a:xfrm>
-      </p:grpSpPr>
-      <p:sp>
-        <p:nvSpPr>
-          <p:cNvPr id="2" name="Title 1"/>
-          <p:cNvSpPr>
-            <a:spLocks noGrp="1"/>
-          </p:cNvSpPr>
-          <p:nvPr>
-            <p:ph type="title"/>
-          </p:nvPr>
-        </p:nvSpPr>
-        <p:spPr/>
-        <p:txBody>
-          <a:bodyPr>
-            <a:normAutofit/>
-          </a:bodyPr>
-          <a:lstStyle/>
-          <a:p>
-            <a:r>
-              <a:rPr lang="en-US" sz="5400" dirty="0" smtClean="0"/>
-              <a:t>Why MySQL?</a:t>
-            </a:r>
-            <a:endParaRPr lang="en-US" sz="5400" dirty="0"/>
-          </a:p>
-        </p:txBody>
-      </p:sp>
-      <p:sp>
-        <p:nvSpPr>
-          <p:cNvPr id="5" name="Content Placeholder 4"/>
-          <p:cNvSpPr>
-            <a:spLocks noGrp="1"/>
-          </p:cNvSpPr>
-          <p:nvPr>
-            <p:ph sz="quarter" idx="1"/>
-          </p:nvPr>
-        </p:nvSpPr>
-        <p:spPr/>
-        <p:txBody>
-          <a:bodyPr anchor="ctr">
-            <a:normAutofit/>
-          </a:bodyPr>
-          <a:lstStyle/>
-          <a:p>
-            <a:r>
-              <a:rPr lang="en-US" sz="3600" dirty="0" smtClean="0"/>
-              <a:t>Scalability, flexibility, and performance</a:t>
-            </a:r>
-          </a:p>
-          <a:p>
-            <a:endParaRPr lang="en-US" sz="3600" dirty="0" smtClean="0"/>
-          </a:p>
-          <a:p>
-            <a:r>
-              <a:rPr lang="en-US" sz="3600" dirty="0" smtClean="0"/>
-              <a:t>Availability from web hosting providers</a:t>
-            </a:r>
-          </a:p>
-          <a:p>
-            <a:endParaRPr lang="en-US" sz="3600" dirty="0" smtClean="0"/>
-          </a:p>
-          <a:p>
-            <a:r>
-              <a:rPr lang="en-US" sz="3600" dirty="0" smtClean="0"/>
-              <a:t>MySQL Workbench</a:t>
-            </a:r>
-            <a:endParaRPr lang="en-US" sz="3600" dirty="0"/>
-          </a:p>
-        </p:txBody>
-      </p:sp>
-    </p:spTree>
-    <p:extLst>
-      <p:ext uri="{BB962C8B-B14F-4D97-AF65-F5344CB8AC3E}">
-        <p14:creationId xmlns:p14="http://schemas.microsoft.com/office/powerpoint/2010/main" val="1748915063"/>
-      </p:ext>
-    </p:extLst>
-  </p:cSld>
-  <p:clrMapOvr>
-    <a:masterClrMapping/>
-  </p:clrMapOvr>
-  <p:timing>
-    <p:tnLst>
-      <p:par>
-        <p:cTn xmlns:p14="http://schemas.microsoft.com/office/powerpoint/2010/main" id="1" dur="indefinite" restart="never" nodeType="tmRoot"/>
-      </p:par>
-    </p:tnLst>
-  </p:timing>
-</p:sld>
-</file>
-
-<file path=ppt/slides/slide12.xml><?xml version="1.0" encoding="utf-8"?>
-<p:sld xmlns:a="http://schemas.openxmlformats.org/drawingml/2006/main" xmlns:r="http://schemas.openxmlformats.org/officeDocument/2006/relationships" xmlns:p="http://schemas.openxmlformats.org/presentationml/2006/main">
-  <p:cSld>
-    <p:spTree>
-      <p:nvGrpSpPr>
-        <p:cNvPr id="1" name=""/>
-        <p:cNvGrpSpPr/>
-        <p:nvPr/>
-      </p:nvGrpSpPr>
-      <p:grpSpPr>
-        <a:xfrm>
-          <a:off x="0" y="0"/>
-          <a:ext cx="0" cy="0"/>
-          <a:chOff x="0" y="0"/>
-          <a:chExt cx="0" cy="0"/>
-        </a:xfrm>
-      </p:grpSpPr>
-      <p:sp>
-        <p:nvSpPr>
-          <p:cNvPr id="2" name="Title 1"/>
-          <p:cNvSpPr>
-            <a:spLocks noGrp="1"/>
-          </p:cNvSpPr>
-          <p:nvPr>
-            <p:ph type="title"/>
-          </p:nvPr>
-        </p:nvSpPr>
-        <p:spPr/>
-        <p:txBody>
-          <a:bodyPr>
-            <a:normAutofit/>
-          </a:bodyPr>
-          <a:lstStyle/>
-          <a:p>
-            <a:r>
-              <a:rPr lang="en-US" sz="5400" dirty="0" smtClean="0"/>
-              <a:t>Web Application</a:t>
-            </a:r>
-            <a:endParaRPr lang="en-US" sz="5400" dirty="0"/>
-          </a:p>
-        </p:txBody>
-      </p:sp>
-      <p:sp>
-        <p:nvSpPr>
-          <p:cNvPr id="3" name="Content Placeholder 2"/>
-          <p:cNvSpPr>
-            <a:spLocks noGrp="1"/>
-          </p:cNvSpPr>
-          <p:nvPr>
-            <p:ph sz="quarter" idx="1"/>
-          </p:nvPr>
-        </p:nvSpPr>
-        <p:spPr/>
-        <p:txBody>
-          <a:bodyPr anchor="ctr">
-            <a:normAutofit/>
-          </a:bodyPr>
-          <a:lstStyle/>
-          <a:p>
-            <a:pPr>
-              <a:defRPr/>
-            </a:pPr>
-            <a:r>
-              <a:rPr lang="en-US" sz="4000" dirty="0" smtClean="0">
-                <a:cs typeface="Myriad Pro"/>
-              </a:rPr>
-              <a:t>Developed using:</a:t>
-            </a:r>
-          </a:p>
-          <a:p>
-            <a:pPr lvl="1">
-              <a:defRPr/>
-            </a:pPr>
-            <a:r>
-              <a:rPr lang="en-US" sz="3700" dirty="0" smtClean="0">
-                <a:cs typeface="Myriad Pro"/>
-              </a:rPr>
-              <a:t>PHP</a:t>
-            </a:r>
-          </a:p>
-          <a:p>
-            <a:pPr lvl="2">
-              <a:defRPr/>
-            </a:pPr>
-            <a:r>
-              <a:rPr lang="en-US" sz="3400" dirty="0" err="1" smtClean="0">
-                <a:cs typeface="Myriad Pro"/>
-              </a:rPr>
-              <a:t>CakePHP</a:t>
-            </a:r>
-            <a:r>
-              <a:rPr lang="en-US" sz="3400" dirty="0" smtClean="0">
-                <a:cs typeface="Myriad Pro"/>
-              </a:rPr>
-              <a:t> Framework</a:t>
-            </a:r>
-          </a:p>
-          <a:p>
-            <a:pPr lvl="1">
-              <a:defRPr/>
-            </a:pPr>
-            <a:r>
-              <a:rPr lang="en-US" sz="3900" dirty="0" err="1" smtClean="0">
-                <a:cs typeface="Myriad Pro"/>
-              </a:rPr>
-              <a:t>Javascript</a:t>
-            </a:r>
-            <a:r>
-              <a:rPr lang="en-US" sz="3900" dirty="0" smtClean="0">
-                <a:cs typeface="Myriad Pro"/>
-              </a:rPr>
-              <a:t> + JQuery</a:t>
-            </a:r>
-          </a:p>
-          <a:p>
-            <a:pPr lvl="1">
-              <a:defRPr/>
-            </a:pPr>
-            <a:r>
-              <a:rPr lang="en-US" sz="3900" dirty="0" smtClean="0">
-                <a:cs typeface="Myriad Pro"/>
-              </a:rPr>
-              <a:t>Google Charts</a:t>
-            </a:r>
-          </a:p>
-          <a:p>
-            <a:pPr lvl="1">
-              <a:defRPr/>
-            </a:pPr>
-            <a:r>
-              <a:rPr lang="en-US" sz="3900" dirty="0" smtClean="0">
-                <a:cs typeface="Myriad Pro"/>
-              </a:rPr>
-              <a:t>Bootstrap</a:t>
-            </a:r>
-            <a:endParaRPr lang="en-US" sz="4000" dirty="0" smtClean="0">
-              <a:cs typeface="Myriad Pro"/>
-            </a:endParaRPr>
-          </a:p>
-          <a:p>
-            <a:pPr>
-              <a:defRPr/>
-            </a:pPr>
-            <a:r>
-              <a:rPr lang="en-US" sz="4000" dirty="0" smtClean="0">
-                <a:cs typeface="Myriad Pro"/>
-              </a:rPr>
-              <a:t>Comprised of three sections</a:t>
-            </a:r>
-          </a:p>
-        </p:txBody>
-      </p:sp>
-    </p:spTree>
-    <p:extLst>
-      <p:ext uri="{BB962C8B-B14F-4D97-AF65-F5344CB8AC3E}">
-        <p14:creationId xmlns:p14="http://schemas.microsoft.com/office/powerpoint/2010/main" val="1698040896"/>
-      </p:ext>
-    </p:extLst>
-  </p:cSld>
-  <p:clrMapOvr>
-    <a:masterClrMapping/>
-  </p:clrMapOvr>
-  <mc:AlternateContent xmlns:mc="http://schemas.openxmlformats.org/markup-compatibility/2006" xmlns:p14="http://schemas.microsoft.com/office/powerpoint/2010/main">
-    <mc:Choice Requires="p14">
-      <p:transition spd="slow" p14:dur="2000"/>
-    </mc:Choice>
-    <mc:Fallback xmlns="">
-      <p:transition spd="slow"/>
-    </mc:Fallback>
-  </mc:AlternateContent>
-  <p:timing>
-    <p:tnLst>
-      <p:par>
-        <p:cTn xmlns:p14="http://schemas.microsoft.com/office/powerpoint/2010/main" id="1" dur="indefinite" restart="never" nodeType="tmRoot"/>
-      </p:par>
-    </p:tnLst>
-  </p:timing>
-</p:sld>
-</file>
-
-<file path=ppt/slides/slide13.xml><?xml version="1.0" encoding="utf-8"?>
-<p:sld xmlns:a="http://schemas.openxmlformats.org/drawingml/2006/main" xmlns:r="http://schemas.openxmlformats.org/officeDocument/2006/relationships" xmlns:p="http://schemas.openxmlformats.org/presentationml/2006/main">
-  <p:cSld>
-    <p:spTree>
-      <p:nvGrpSpPr>
-        <p:cNvPr id="1" name=""/>
-        <p:cNvGrpSpPr/>
-        <p:nvPr/>
-      </p:nvGrpSpPr>
-      <p:grpSpPr>
-        <a:xfrm>
-          <a:off x="0" y="0"/>
-          <a:ext cx="0" cy="0"/>
-          <a:chOff x="0" y="0"/>
-          <a:chExt cx="0" cy="0"/>
-        </a:xfrm>
-      </p:grpSpPr>
-      <p:sp>
-        <p:nvSpPr>
-          <p:cNvPr id="2" name="Title 1"/>
-          <p:cNvSpPr>
-            <a:spLocks noGrp="1"/>
-          </p:cNvSpPr>
-          <p:nvPr>
-            <p:ph type="title"/>
-          </p:nvPr>
-        </p:nvSpPr>
-        <p:spPr/>
-        <p:txBody>
-          <a:bodyPr>
-            <a:noAutofit/>
-          </a:bodyPr>
-          <a:lstStyle/>
-          <a:p>
-            <a:r>
-              <a:rPr lang="en-US" sz="5400" dirty="0" smtClean="0"/>
-              <a:t>Web Application</a:t>
-            </a:r>
-            <a:endParaRPr lang="en-US" sz="5400" dirty="0"/>
-          </a:p>
-        </p:txBody>
-      </p:sp>
-      <p:graphicFrame>
-        <p:nvGraphicFramePr>
-          <p:cNvPr id="7" name="Content Placeholder 6"/>
-          <p:cNvGraphicFramePr>
-            <a:graphicFrameLocks noGrp="1"/>
-          </p:cNvGraphicFramePr>
-          <p:nvPr>
-            <p:ph sz="quarter" idx="1"/>
-            <p:extLst>
-              <p:ext uri="{D42A27DB-BD31-4B8C-83A1-F6EECF244321}">
-                <p14:modId xmlns:p14="http://schemas.microsoft.com/office/powerpoint/2010/main" val="1653444040"/>
-              </p:ext>
-            </p:extLst>
-          </p:nvPr>
-        </p:nvGraphicFramePr>
-        <p:xfrm>
-          <a:off x="457200" y="1219200"/>
-          <a:ext cx="8229600" cy="4937125"/>
-        </p:xfrm>
-        <a:graphic>
-          <a:graphicData uri="http://schemas.openxmlformats.org/drawingml/2006/diagram">
-            <dgm:relIds xmlns:dgm="http://schemas.openxmlformats.org/drawingml/2006/diagram" xmlns:r="http://schemas.openxmlformats.org/officeDocument/2006/relationships" r:dm="rId3" r:lo="rId4" r:qs="rId5" r:cs="rId6"/>
-          </a:graphicData>
-        </a:graphic>
-      </p:graphicFrame>
-    </p:spTree>
-    <p:extLst>
-      <p:ext uri="{BB962C8B-B14F-4D97-AF65-F5344CB8AC3E}">
-        <p14:creationId xmlns:p14="http://schemas.microsoft.com/office/powerpoint/2010/main" val="2623649758"/>
-      </p:ext>
-    </p:extLst>
-  </p:cSld>
-  <p:clrMapOvr>
-    <a:masterClrMapping/>
-  </p:clrMapOvr>
-  <p:timing>
-    <p:tnLst>
-      <p:par>
-        <p:cTn xmlns:p14="http://schemas.microsoft.com/office/powerpoint/2010/main" id="1" dur="indefinite" restart="never" nodeType="tmRoot"/>
-      </p:par>
-    </p:tnLst>
-  </p:timing>
-</p:sld>
-</file>
-
-<file path=ppt/slides/slide14.xml><?xml version="1.0" encoding="utf-8"?>
 <p:sld xmlns:a="http://schemas.openxmlformats.org/drawingml/2006/main" xmlns:r="http://schemas.openxmlformats.org/officeDocument/2006/relationships" xmlns:p="http://schemas.openxmlformats.org/presentationml/2006/main">
   <p:cSld>
     <p:spTree>
@@ -14228,7 +13469,94 @@
 </p:sld>
 </file>
 
-<file path=ppt/slides/slide15.xml><?xml version="1.0" encoding="utf-8"?>
+<file path=ppt/slides/slide11.xml><?xml version="1.0" encoding="utf-8"?>
+<p:sld xmlns:a="http://schemas.openxmlformats.org/drawingml/2006/main" xmlns:r="http://schemas.openxmlformats.org/officeDocument/2006/relationships" xmlns:p="http://schemas.openxmlformats.org/presentationml/2006/main">
+  <p:cSld>
+    <p:spTree>
+      <p:nvGrpSpPr>
+        <p:cNvPr id="1" name=""/>
+        <p:cNvGrpSpPr/>
+        <p:nvPr/>
+      </p:nvGrpSpPr>
+      <p:grpSpPr>
+        <a:xfrm>
+          <a:off x="0" y="0"/>
+          <a:ext cx="0" cy="0"/>
+          <a:chOff x="0" y="0"/>
+          <a:chExt cx="0" cy="0"/>
+        </a:xfrm>
+      </p:grpSpPr>
+      <p:sp>
+        <p:nvSpPr>
+          <p:cNvPr id="2" name="Title 1"/>
+          <p:cNvSpPr>
+            <a:spLocks noGrp="1"/>
+          </p:cNvSpPr>
+          <p:nvPr>
+            <p:ph type="title"/>
+          </p:nvPr>
+        </p:nvSpPr>
+        <p:spPr/>
+        <p:txBody>
+          <a:bodyPr>
+            <a:noAutofit/>
+          </a:bodyPr>
+          <a:lstStyle/>
+          <a:p>
+            <a:r>
+              <a:rPr lang="en-US" sz="5400" dirty="0" smtClean="0"/>
+              <a:t>Web Application</a:t>
+            </a:r>
+            <a:endParaRPr lang="en-US" sz="5400" dirty="0"/>
+          </a:p>
+        </p:txBody>
+      </p:sp>
+      <p:graphicFrame>
+        <p:nvGraphicFramePr>
+          <p:cNvPr id="7" name="Content Placeholder 6"/>
+          <p:cNvGraphicFramePr>
+            <a:graphicFrameLocks noGrp="1"/>
+          </p:cNvGraphicFramePr>
+          <p:nvPr>
+            <p:ph sz="quarter" idx="1"/>
+            <p:extLst>
+              <p:ext uri="{D42A27DB-BD31-4B8C-83A1-F6EECF244321}">
+                <p14:modId xmlns:p14="http://schemas.microsoft.com/office/powerpoint/2010/main" val="1653444040"/>
+              </p:ext>
+            </p:extLst>
+          </p:nvPr>
+        </p:nvGraphicFramePr>
+        <p:xfrm>
+          <a:off x="457200" y="1219200"/>
+          <a:ext cx="8229600" cy="4937125"/>
+        </p:xfrm>
+        <a:graphic>
+          <a:graphicData uri="http://schemas.openxmlformats.org/drawingml/2006/diagram">
+            <dgm:relIds xmlns:dgm="http://schemas.openxmlformats.org/drawingml/2006/diagram" xmlns:r="http://schemas.openxmlformats.org/officeDocument/2006/relationships" r:dm="rId3" r:lo="rId4" r:qs="rId5" r:cs="rId6"/>
+          </a:graphicData>
+        </a:graphic>
+      </p:graphicFrame>
+    </p:spTree>
+    <p:extLst>
+      <p:ext uri="{BB962C8B-B14F-4D97-AF65-F5344CB8AC3E}">
+        <p14:creationId xmlns:p14="http://schemas.microsoft.com/office/powerpoint/2010/main" val="2623649758"/>
+      </p:ext>
+    </p:extLst>
+  </p:cSld>
+  <p:clrMapOvr>
+    <a:masterClrMapping/>
+  </p:clrMapOvr>
+  <p:timing>
+    <p:tnLst>
+      <p:par>
+        <p:cTn xmlns:p14="http://schemas.microsoft.com/office/powerpoint/2010/main" id="1" dur="indefinite" restart="never" nodeType="tmRoot"/>
+      </p:par>
+    </p:tnLst>
+  </p:timing>
+</p:sld>
+</file>
+
+<file path=ppt/slides/slide12.xml><?xml version="1.0" encoding="utf-8"?>
 <p:sld xmlns:a="http://schemas.openxmlformats.org/drawingml/2006/main" xmlns:r="http://schemas.openxmlformats.org/officeDocument/2006/relationships" xmlns:p="http://schemas.openxmlformats.org/presentationml/2006/main">
   <p:cSld>
     <p:spTree>
@@ -14423,7 +13751,7 @@
 </p:sld>
 </file>
 
-<file path=ppt/slides/slide16.xml><?xml version="1.0" encoding="utf-8"?>
+<file path=ppt/slides/slide13.xml><?xml version="1.0" encoding="utf-8"?>
 <p:sld xmlns:a="http://schemas.openxmlformats.org/drawingml/2006/main" xmlns:r="http://schemas.openxmlformats.org/officeDocument/2006/relationships" xmlns:p="http://schemas.openxmlformats.org/presentationml/2006/main">
   <p:cSld>
     <p:spTree>
@@ -14512,14 +13840,7 @@
                 <a:latin typeface="Myriad Pro"/>
                 <a:cs typeface="Myriad Pro"/>
               </a:rPr>
-              <a:t>Each row displays modal with </a:t>
-            </a:r>
-            <a:r>
-              <a:rPr lang="en-US" sz="2800" dirty="0" smtClean="0">
-                <a:latin typeface="Myriad Pro"/>
-                <a:cs typeface="Myriad Pro"/>
-              </a:rPr>
-              <a:t>more details</a:t>
+              <a:t>Each row displays modal with more details</a:t>
             </a:r>
           </a:p>
           <a:p>
@@ -14594,7 +13915,7 @@
 </p:sld>
 </file>
 
-<file path=ppt/slides/slide17.xml><?xml version="1.0" encoding="utf-8"?>
+<file path=ppt/slides/slide14.xml><?xml version="1.0" encoding="utf-8"?>
 <p:sld xmlns:a="http://schemas.openxmlformats.org/drawingml/2006/main" xmlns:r="http://schemas.openxmlformats.org/officeDocument/2006/relationships" xmlns:p="http://schemas.openxmlformats.org/presentationml/2006/main">
   <p:cSld>
     <p:spTree>
@@ -14759,14 +14080,7 @@
                 <a:latin typeface="Myriad Pro"/>
                 <a:cs typeface="Myriad Pro"/>
               </a:rPr>
-              <a:t>Multiple independent and dependent </a:t>
-            </a:r>
-            <a:r>
-              <a:rPr lang="en-US" dirty="0" smtClean="0">
-                <a:latin typeface="Myriad Pro"/>
-                <a:cs typeface="Myriad Pro"/>
-              </a:rPr>
-              <a:t>options</a:t>
+              <a:t>Multiple independent and dependent options</a:t>
             </a:r>
             <a:endParaRPr lang="en-US" strike="sngStrike" dirty="0" smtClean="0">
               <a:latin typeface="Myriad Pro"/>
@@ -14825,149 +14139,7 @@
 </p:sld>
 </file>
 
-<file path=ppt/slides/slide18.xml><?xml version="1.0" encoding="utf-8"?>
-<p:sld xmlns:a="http://schemas.openxmlformats.org/drawingml/2006/main" xmlns:r="http://schemas.openxmlformats.org/officeDocument/2006/relationships" xmlns:p="http://schemas.openxmlformats.org/presentationml/2006/main">
-  <p:cSld>
-    <p:spTree>
-      <p:nvGrpSpPr>
-        <p:cNvPr id="1" name=""/>
-        <p:cNvGrpSpPr/>
-        <p:nvPr/>
-      </p:nvGrpSpPr>
-      <p:grpSpPr>
-        <a:xfrm>
-          <a:off x="0" y="0"/>
-          <a:ext cx="0" cy="0"/>
-          <a:chOff x="0" y="0"/>
-          <a:chExt cx="0" cy="0"/>
-        </a:xfrm>
-      </p:grpSpPr>
-      <p:sp>
-        <p:nvSpPr>
-          <p:cNvPr id="2" name="Title 1"/>
-          <p:cNvSpPr>
-            <a:spLocks noGrp="1"/>
-          </p:cNvSpPr>
-          <p:nvPr>
-            <p:ph type="title"/>
-          </p:nvPr>
-        </p:nvSpPr>
-        <p:spPr/>
-        <p:txBody>
-          <a:bodyPr>
-            <a:noAutofit/>
-          </a:bodyPr>
-          <a:lstStyle/>
-          <a:p>
-            <a:r>
-              <a:rPr lang="en-US" sz="5400" dirty="0" smtClean="0"/>
-              <a:t>Results</a:t>
-            </a:r>
-            <a:endParaRPr lang="en-US" sz="5400" dirty="0"/>
-          </a:p>
-        </p:txBody>
-      </p:sp>
-      <p:sp>
-        <p:nvSpPr>
-          <p:cNvPr id="3" name="Content Placeholder 2"/>
-          <p:cNvSpPr>
-            <a:spLocks noGrp="1"/>
-          </p:cNvSpPr>
-          <p:nvPr>
-            <p:ph sz="quarter" idx="1"/>
-          </p:nvPr>
-        </p:nvSpPr>
-        <p:spPr/>
-        <p:txBody>
-          <a:bodyPr anchor="ctr">
-            <a:normAutofit/>
-          </a:bodyPr>
-          <a:lstStyle/>
-          <a:p>
-            <a:r>
-              <a:rPr lang="en-US" sz="2800" dirty="0" smtClean="0">
-                <a:latin typeface="Myriad Pro"/>
-                <a:cs typeface="Myriad Pro"/>
-              </a:rPr>
-              <a:t>Developed resource for gathering information on human trafficking</a:t>
-            </a:r>
-          </a:p>
-          <a:p>
-            <a:endParaRPr lang="en-US" sz="2800" dirty="0" smtClean="0">
-              <a:latin typeface="Myriad Pro"/>
-              <a:cs typeface="Myriad Pro"/>
-            </a:endParaRPr>
-          </a:p>
-          <a:p>
-            <a:r>
-              <a:rPr lang="en-US" sz="2800" dirty="0" smtClean="0">
-                <a:latin typeface="Myriad Pro"/>
-                <a:cs typeface="Myriad Pro"/>
-              </a:rPr>
-              <a:t>Provided clients with ability to maintain dataset</a:t>
-            </a:r>
-          </a:p>
-          <a:p>
-            <a:endParaRPr lang="en-US" sz="2800" dirty="0" smtClean="0">
-              <a:latin typeface="Myriad Pro"/>
-              <a:cs typeface="Myriad Pro"/>
-            </a:endParaRPr>
-          </a:p>
-          <a:p>
-            <a:r>
-              <a:rPr lang="en-US" sz="2800" dirty="0" smtClean="0">
-                <a:latin typeface="Myriad Pro"/>
-                <a:cs typeface="Myriad Pro"/>
-              </a:rPr>
-              <a:t>Experienced working on high-profile project</a:t>
-            </a:r>
-          </a:p>
-          <a:p>
-            <a:endParaRPr lang="en-US" sz="2800" dirty="0" smtClean="0">
-              <a:latin typeface="Myriad Pro"/>
-              <a:cs typeface="Myriad Pro"/>
-            </a:endParaRPr>
-          </a:p>
-          <a:p>
-            <a:r>
-              <a:rPr lang="en-US" sz="2800" dirty="0" smtClean="0">
-                <a:latin typeface="Myriad Pro"/>
-                <a:cs typeface="Myriad Pro"/>
-              </a:rPr>
-              <a:t>Understood how effective communication aids overall progress</a:t>
-            </a:r>
-          </a:p>
-        </p:txBody>
-      </p:sp>
-    </p:spTree>
-    <p:extLst>
-      <p:ext uri="{BB962C8B-B14F-4D97-AF65-F5344CB8AC3E}">
-        <p14:creationId xmlns:p14="http://schemas.microsoft.com/office/powerpoint/2010/main" val="1800907953"/>
-      </p:ext>
-    </p:extLst>
-  </p:cSld>
-  <p:clrMapOvr>
-    <a:masterClrMapping/>
-  </p:clrMapOvr>
-  <mc:AlternateContent xmlns:mc="http://schemas.openxmlformats.org/markup-compatibility/2006">
-    <mc:Choice xmlns:p14="http://schemas.microsoft.com/office/powerpoint/2010/main" Requires="p14">
-      <p:transition spd="slow" p14:dur="2000"/>
-    </mc:Choice>
-    <mc:Fallback>
-      <p:transition xmlns:p14="http://schemas.microsoft.com/office/powerpoint/2010/main" spd="slow"/>
-    </mc:Fallback>
-  </mc:AlternateContent>
-  <p:timing>
-    <p:tnLst>
-      <p:par>
-        <p:cTn xmlns:p14="http://schemas.microsoft.com/office/powerpoint/2010/main" id="1" dur="indefinite" restart="never" nodeType="tmRoot"/>
-      </p:par>
-    </p:tnLst>
-  </p:timing>
-</p:sld>
-</file>
-
-<file path=ppt/slides/slide19.xml><?xml version="1.0" encoding="utf-8"?>
+<file path=ppt/slides/slide15.xml><?xml version="1.0" encoding="utf-8"?>
 <p:sld xmlns:a="http://schemas.openxmlformats.org/drawingml/2006/main" xmlns:r="http://schemas.openxmlformats.org/officeDocument/2006/relationships" xmlns:p="http://schemas.openxmlformats.org/presentationml/2006/main">
   <p:cSld>
     <p:spTree>
@@ -15057,8 +14229,8 @@
 </p:sld>
 </file>
 
-<file path=ppt/slides/slide2.xml><?xml version="1.0" encoding="utf-8"?>
-<p:sld xmlns:a="http://schemas.openxmlformats.org/drawingml/2006/main" xmlns:r="http://schemas.openxmlformats.org/officeDocument/2006/relationships" xmlns:p="http://schemas.openxmlformats.org/presentationml/2006/main" show="0">
+<file path=ppt/slides/slide16.xml><?xml version="1.0" encoding="utf-8"?>
+<p:sld xmlns:a="http://schemas.openxmlformats.org/drawingml/2006/main" xmlns:r="http://schemas.openxmlformats.org/officeDocument/2006/relationships" xmlns:p="http://schemas.openxmlformats.org/presentationml/2006/main">
   <p:cSld>
     <p:spTree>
       <p:nvGrpSpPr>
@@ -15087,15 +14259,15 @@
         <p:spPr/>
         <p:txBody>
           <a:bodyPr>
-            <a:normAutofit/>
+            <a:noAutofit/>
           </a:bodyPr>
           <a:lstStyle/>
           <a:p>
             <a:r>
               <a:rPr lang="en-US" sz="5400" dirty="0" smtClean="0"/>
-              <a:t>Clients</a:t>
-            </a:r>
-            <a:endParaRPr lang="en-US" dirty="0"/>
+              <a:t>Results </a:t>
+            </a:r>
+            <a:endParaRPr lang="en-US" sz="5400" dirty="0"/>
           </a:p>
         </p:txBody>
       </p:sp>
@@ -15109,105 +14281,83 @@
             <p:ph sz="quarter" idx="1"/>
           </p:nvPr>
         </p:nvSpPr>
-        <p:spPr>
-          <a:xfrm>
-            <a:off x="457200" y="1762125"/>
-            <a:ext cx="8229600" cy="3971926"/>
-          </a:xfrm>
-        </p:spPr>
+        <p:spPr/>
         <p:txBody>
           <a:bodyPr anchor="ctr">
-            <a:noAutofit/>
+            <a:normAutofit/>
           </a:bodyPr>
           <a:lstStyle/>
           <a:p>
             <a:r>
-              <a:rPr lang="en-US" sz="3200" dirty="0" smtClean="0"/>
-              <a:t>Vanessa </a:t>
-            </a:r>
-            <a:r>
-              <a:rPr lang="en-US" sz="3200" dirty="0" err="1" smtClean="0"/>
-              <a:t>Bouché</a:t>
-            </a:r>
-            <a:r>
-              <a:rPr lang="en-US" sz="3200" dirty="0" smtClean="0"/>
-              <a:t>, Ph.D.</a:t>
-            </a:r>
-          </a:p>
-          <a:p>
-            <a:pPr lvl="1"/>
-            <a:r>
-              <a:rPr lang="en-US" sz="3200" dirty="0" smtClean="0"/>
-              <a:t> TCU Department of Political Science</a:t>
-            </a:r>
-          </a:p>
-          <a:p>
-            <a:pPr marL="274320" lvl="1" indent="0">
-              <a:buNone/>
-            </a:pPr>
-            <a:endParaRPr lang="en-US" sz="3200" dirty="0"/>
-          </a:p>
-          <a:p>
-            <a:r>
-              <a:rPr lang="en-US" sz="3200" dirty="0"/>
-              <a:t> </a:t>
-            </a:r>
-            <a:r>
-              <a:rPr lang="en-US" sz="3200" dirty="0" smtClean="0"/>
-              <a:t>Funded by National </a:t>
-            </a:r>
-            <a:r>
-              <a:rPr lang="en-US" sz="3200" dirty="0"/>
-              <a:t>Institute of Justice</a:t>
+              <a:rPr lang="en-US" sz="2800" dirty="0" smtClean="0">
+                <a:latin typeface="Myriad Pro"/>
+                <a:cs typeface="Myriad Pro"/>
+              </a:rPr>
+              <a:t>Developed resource for gathering information on human trafficking</a:t>
+            </a:r>
+          </a:p>
+          <a:p>
+            <a:endParaRPr lang="en-US" sz="2800" dirty="0" smtClean="0">
+              <a:latin typeface="Myriad Pro"/>
+              <a:cs typeface="Myriad Pro"/>
+            </a:endParaRPr>
+          </a:p>
+          <a:p>
+            <a:r>
+              <a:rPr lang="en-US" sz="2800" dirty="0" smtClean="0">
+                <a:latin typeface="Myriad Pro"/>
+                <a:cs typeface="Myriad Pro"/>
+              </a:rPr>
+              <a:t>Provided clients with ability to maintain dataset</a:t>
+            </a:r>
+          </a:p>
+          <a:p>
+            <a:endParaRPr lang="en-US" sz="2800" dirty="0" smtClean="0">
+              <a:latin typeface="Myriad Pro"/>
+              <a:cs typeface="Myriad Pro"/>
+            </a:endParaRPr>
+          </a:p>
+          <a:p>
+            <a:r>
+              <a:rPr lang="en-US" sz="2800" dirty="0" smtClean="0">
+                <a:latin typeface="Myriad Pro"/>
+                <a:cs typeface="Myriad Pro"/>
+              </a:rPr>
+              <a:t>Experienced working on high-profile project</a:t>
+            </a:r>
+          </a:p>
+          <a:p>
+            <a:endParaRPr lang="en-US" sz="2800" dirty="0" smtClean="0">
+              <a:latin typeface="Myriad Pro"/>
+              <a:cs typeface="Myriad Pro"/>
+            </a:endParaRPr>
+          </a:p>
+          <a:p>
+            <a:r>
+              <a:rPr lang="en-US" sz="2800" dirty="0" smtClean="0">
+                <a:latin typeface="Myriad Pro"/>
+                <a:cs typeface="Myriad Pro"/>
+              </a:rPr>
+              <a:t>Understood how effective communication aids overall progress</a:t>
             </a:r>
           </a:p>
         </p:txBody>
       </p:sp>
-      <p:pic>
-        <p:nvPicPr>
-          <p:cNvPr id="4" name="Picture 3" descr="Screen Shot 2014-10-28 at 12.20.28 PM.png"/>
-          <p:cNvPicPr>
-            <a:picLocks noChangeAspect="1"/>
-          </p:cNvPicPr>
-          <p:nvPr/>
-        </p:nvPicPr>
-        <p:blipFill>
-          <a:blip r:embed="rId3" cstate="email">
-            <a:extLst>
-              <a:ext uri="{28A0092B-C50C-407E-A947-70E740481C1C}">
-                <a14:useLocalDpi xmlns:a14="http://schemas.microsoft.com/office/drawing/2010/main" val="0"/>
-              </a:ext>
-            </a:extLst>
-          </a:blip>
-          <a:stretch>
-            <a:fillRect/>
-          </a:stretch>
-        </p:blipFill>
-        <p:spPr>
-          <a:xfrm>
-            <a:off x="6243472" y="5980294"/>
-            <a:ext cx="2530750" cy="604114"/>
-          </a:xfrm>
-          <a:prstGeom prst="rect">
-            <a:avLst/>
-          </a:prstGeom>
-        </p:spPr>
-      </p:pic>
     </p:spTree>
     <p:extLst>
       <p:ext uri="{BB962C8B-B14F-4D97-AF65-F5344CB8AC3E}">
-        <p14:creationId xmlns:p14="http://schemas.microsoft.com/office/powerpoint/2010/main" val="2411412922"/>
+        <p14:creationId xmlns:p14="http://schemas.microsoft.com/office/powerpoint/2010/main" val="1800907953"/>
       </p:ext>
     </p:extLst>
   </p:cSld>
   <p:clrMapOvr>
     <a:masterClrMapping/>
   </p:clrMapOvr>
-  <mc:AlternateContent xmlns:mc="http://schemas.openxmlformats.org/markup-compatibility/2006">
-    <mc:Choice xmlns:p14="http://schemas.microsoft.com/office/powerpoint/2010/main" Requires="p14">
+  <mc:AlternateContent xmlns:mc="http://schemas.openxmlformats.org/markup-compatibility/2006" xmlns:p14="http://schemas.microsoft.com/office/powerpoint/2010/main">
+    <mc:Choice Requires="p14">
       <p:transition spd="slow" p14:dur="2000"/>
     </mc:Choice>
-    <mc:Fallback>
+    <mc:Fallback xmlns="">
       <p:transition xmlns:p14="http://schemas.microsoft.com/office/powerpoint/2010/main" spd="slow"/>
     </mc:Fallback>
   </mc:AlternateContent>
@@ -15221,7 +14371,7 @@
 </p:sld>
 </file>
 
-<file path=ppt/slides/slide20.xml><?xml version="1.0" encoding="utf-8"?>
+<file path=ppt/slides/slide17.xml><?xml version="1.0" encoding="utf-8"?>
 <p:sld xmlns:a="http://schemas.openxmlformats.org/drawingml/2006/main" xmlns:r="http://schemas.openxmlformats.org/officeDocument/2006/relationships" xmlns:p="http://schemas.openxmlformats.org/presentationml/2006/main">
   <p:cSld>
     <p:spTree>
@@ -15281,6 +14431,142 @@
 </p:sld>
 </file>
 
+<file path=ppt/slides/slide2.xml><?xml version="1.0" encoding="utf-8"?>
+<p:sld xmlns:a="http://schemas.openxmlformats.org/drawingml/2006/main" xmlns:r="http://schemas.openxmlformats.org/officeDocument/2006/relationships" xmlns:p="http://schemas.openxmlformats.org/presentationml/2006/main">
+  <p:cSld>
+    <p:spTree>
+      <p:nvGrpSpPr>
+        <p:cNvPr id="1" name=""/>
+        <p:cNvGrpSpPr/>
+        <p:nvPr/>
+      </p:nvGrpSpPr>
+      <p:grpSpPr>
+        <a:xfrm>
+          <a:off x="0" y="0"/>
+          <a:ext cx="0" cy="0"/>
+          <a:chOff x="0" y="0"/>
+          <a:chExt cx="0" cy="0"/>
+        </a:xfrm>
+      </p:grpSpPr>
+      <p:sp>
+        <p:nvSpPr>
+          <p:cNvPr id="2" name="Title 1"/>
+          <p:cNvSpPr>
+            <a:spLocks noGrp="1"/>
+          </p:cNvSpPr>
+          <p:nvPr>
+            <p:ph type="title"/>
+          </p:nvPr>
+        </p:nvSpPr>
+        <p:spPr>
+          <a:xfrm>
+            <a:off x="457200" y="152400"/>
+            <a:ext cx="8458200" cy="990600"/>
+          </a:xfrm>
+        </p:spPr>
+        <p:txBody>
+          <a:bodyPr>
+            <a:noAutofit/>
+          </a:bodyPr>
+          <a:lstStyle/>
+          <a:p>
+            <a:r>
+              <a:rPr lang="en-US" sz="4800" dirty="0" smtClean="0"/>
+              <a:t>Human Trafficking Facts</a:t>
+            </a:r>
+            <a:endParaRPr lang="en-US" sz="4800" dirty="0"/>
+          </a:p>
+        </p:txBody>
+      </p:sp>
+      <p:sp>
+        <p:nvSpPr>
+          <p:cNvPr id="3" name="Content Placeholder 2"/>
+          <p:cNvSpPr>
+            <a:spLocks noGrp="1"/>
+          </p:cNvSpPr>
+          <p:nvPr>
+            <p:ph sz="quarter" idx="1"/>
+          </p:nvPr>
+        </p:nvSpPr>
+        <p:spPr/>
+        <p:txBody>
+          <a:bodyPr>
+            <a:normAutofit/>
+          </a:bodyPr>
+          <a:lstStyle/>
+          <a:p>
+            <a:r>
+              <a:rPr lang="en-US" sz="2800" dirty="0" smtClean="0">
+                <a:latin typeface="Myriad Pro"/>
+                <a:cs typeface="Myriad Pro"/>
+              </a:rPr>
+              <a:t>600 to 800 thousand people across international borders</a:t>
+            </a:r>
+          </a:p>
+          <a:p>
+            <a:r>
+              <a:rPr lang="en-US" sz="2800" dirty="0" smtClean="0">
+                <a:latin typeface="Myriad Pro"/>
+                <a:cs typeface="Myriad Pro"/>
+              </a:rPr>
+              <a:t>80% female</a:t>
+            </a:r>
+          </a:p>
+          <a:p>
+            <a:r>
+              <a:rPr lang="en-US" sz="2800" dirty="0" smtClean="0">
+                <a:latin typeface="Myriad Pro"/>
+                <a:cs typeface="Myriad Pro"/>
+              </a:rPr>
+              <a:t>50% children </a:t>
+            </a:r>
+          </a:p>
+          <a:p>
+            <a:r>
+              <a:rPr lang="en-US" sz="2800" dirty="0" smtClean="0">
+                <a:latin typeface="Myriad Pro"/>
+                <a:cs typeface="Myriad Pro"/>
+              </a:rPr>
+              <a:t>Gross violation of human rights</a:t>
+            </a:r>
+          </a:p>
+          <a:p>
+            <a:r>
+              <a:rPr lang="en-US" sz="2800" dirty="0" smtClean="0">
+                <a:latin typeface="Myriad Pro"/>
+                <a:cs typeface="Myriad Pro"/>
+              </a:rPr>
+              <a:t>One of the most profitable criminal activities worldwide</a:t>
+            </a:r>
+          </a:p>
+          <a:p>
+            <a:r>
+              <a:rPr lang="en-US" sz="2800" dirty="0" smtClean="0">
+                <a:latin typeface="Myriad Pro"/>
+                <a:cs typeface="Myriad Pro"/>
+              </a:rPr>
+              <a:t>A need for studies to understand and address problem</a:t>
+            </a:r>
+            <a:endParaRPr lang="en-US" sz="2800" dirty="0">
+              <a:latin typeface="Myriad Pro"/>
+              <a:cs typeface="Myriad Pro"/>
+            </a:endParaRPr>
+          </a:p>
+        </p:txBody>
+      </p:sp>
+    </p:spTree>
+    <p:extLst>
+      <p:ext uri="{BB962C8B-B14F-4D97-AF65-F5344CB8AC3E}">
+        <p14:creationId xmlns:p14="http://schemas.microsoft.com/office/powerpoint/2010/main" val="1001050422"/>
+      </p:ext>
+    </p:extLst>
+  </p:cSld>
+  <p:clrMapOvr>
+    <a:masterClrMapping/>
+  </p:clrMapOvr>
+</p:sld>
+</file>
+
 <file path=ppt/slides/slide3.xml><?xml version="1.0" encoding="utf-8"?>
 <p:sld xmlns:a="http://schemas.openxmlformats.org/drawingml/2006/main" xmlns:r="http://schemas.openxmlformats.org/officeDocument/2006/relationships" xmlns:p="http://schemas.openxmlformats.org/presentationml/2006/main">
   <p:cSld>
@@ -15310,12 +14596,14 @@
         </p:nvSpPr>
         <p:spPr/>
         <p:txBody>
-          <a:bodyPr/>
+          <a:bodyPr>
+            <a:normAutofit/>
+          </a:bodyPr>
           <a:lstStyle/>
           <a:p>
             <a:r>
               <a:rPr lang="en-US" sz="5400" dirty="0" smtClean="0"/>
-              <a:t>Topics</a:t>
+              <a:t>Origin of Judge Frog</a:t>
             </a:r>
             <a:endParaRPr lang="en-US" sz="5400" dirty="0"/>
           </a:p>
@@ -15333,66 +14621,91 @@
         </p:nvSpPr>
         <p:spPr/>
         <p:txBody>
-          <a:bodyPr>
-            <a:normAutofit/>
-          </a:bodyPr>
+          <a:bodyPr/>
           <a:lstStyle/>
           <a:p>
             <a:r>
-              <a:rPr lang="en-US" sz="3600" dirty="0" smtClean="0"/>
-              <a:t>Background</a:t>
-            </a:r>
-          </a:p>
-          <a:p>
-            <a:r>
-              <a:rPr lang="en-US" sz="3600" dirty="0" smtClean="0"/>
-              <a:t>Project overview</a:t>
-            </a:r>
-          </a:p>
-          <a:p>
-            <a:r>
-              <a:rPr lang="en-US" sz="3600" dirty="0" smtClean="0"/>
-              <a:t>System overview</a:t>
-            </a:r>
-          </a:p>
-          <a:p>
-            <a:r>
-              <a:rPr lang="en-US" sz="3600" dirty="0" smtClean="0"/>
-              <a:t>Database Structure</a:t>
-            </a:r>
-          </a:p>
-          <a:p>
-            <a:r>
-              <a:rPr lang="en-US" sz="3600" dirty="0" smtClean="0"/>
-              <a:t>Web application</a:t>
-            </a:r>
-          </a:p>
-          <a:p>
-            <a:r>
-              <a:rPr lang="en-US" sz="3600" dirty="0" smtClean="0"/>
-              <a:t>Results &amp; </a:t>
-            </a:r>
-            <a:r>
-              <a:rPr lang="en-US" sz="3600" dirty="0"/>
-              <a:t>c</a:t>
-            </a:r>
-            <a:r>
-              <a:rPr lang="en-US" sz="3600" dirty="0" smtClean="0"/>
-              <a:t>onclusions</a:t>
-            </a:r>
-          </a:p>
-          <a:p>
-            <a:endParaRPr lang="en-US" dirty="0" smtClean="0"/>
-          </a:p>
-          <a:p>
-            <a:endParaRPr lang="en-US" dirty="0"/>
+              <a:rPr lang="en-US" dirty="0" smtClean="0">
+                <a:latin typeface="Myriad Pro"/>
+                <a:cs typeface="Myriad Pro"/>
+              </a:rPr>
+              <a:t>NIJ grant awarded to TCU professors </a:t>
+            </a:r>
+          </a:p>
+          <a:p>
+            <a:r>
+              <a:rPr lang="en-US" dirty="0" smtClean="0">
+                <a:latin typeface="Myriad Pro"/>
+                <a:cs typeface="Myriad Pro"/>
+              </a:rPr>
+              <a:t>Goals of grant</a:t>
+            </a:r>
+          </a:p>
+          <a:p>
+            <a:pPr lvl="1"/>
+            <a:r>
+              <a:rPr lang="en-US" dirty="0" smtClean="0">
+                <a:latin typeface="Myriad Pro"/>
+                <a:cs typeface="Myriad Pro"/>
+              </a:rPr>
+              <a:t>Publically available centralized data store of HT data</a:t>
+            </a:r>
+          </a:p>
+          <a:p>
+            <a:pPr lvl="1"/>
+            <a:r>
+              <a:rPr lang="en-US" dirty="0" smtClean="0">
+                <a:latin typeface="Myriad Pro"/>
+                <a:cs typeface="Myriad Pro"/>
+              </a:rPr>
+              <a:t>Support study for government, NGO’s, researchers, etc.</a:t>
+            </a:r>
+          </a:p>
+          <a:p>
+            <a:pPr lvl="1"/>
+            <a:r>
+              <a:rPr lang="en-US" dirty="0" smtClean="0">
+                <a:latin typeface="Myriad Pro"/>
+                <a:cs typeface="Myriad Pro"/>
+              </a:rPr>
+              <a:t>Others…</a:t>
+            </a:r>
+          </a:p>
+          <a:p>
+            <a:r>
+              <a:rPr lang="en-US" dirty="0" smtClean="0">
+                <a:latin typeface="Myriad Pro"/>
+                <a:cs typeface="Myriad Pro"/>
+              </a:rPr>
+              <a:t>Professors approached TCU CS of summer 2014</a:t>
+            </a:r>
+          </a:p>
+          <a:p>
+            <a:pPr lvl="1"/>
+            <a:r>
+              <a:rPr lang="en-US" dirty="0" smtClean="0">
+                <a:latin typeface="Myriad Pro"/>
+                <a:cs typeface="Myriad Pro"/>
+              </a:rPr>
+              <a:t>Student project possibilities</a:t>
+            </a:r>
+          </a:p>
+          <a:p>
+            <a:pPr lvl="1"/>
+            <a:r>
+              <a:rPr lang="en-US" dirty="0" smtClean="0">
+                <a:latin typeface="Myriad Pro"/>
+                <a:cs typeface="Myriad Pro"/>
+              </a:rPr>
+              <a:t>Selected from 1 of 3 senior capstone projects</a:t>
+            </a:r>
           </a:p>
         </p:txBody>
       </p:sp>
     </p:spTree>
     <p:extLst>
       <p:ext uri="{BB962C8B-B14F-4D97-AF65-F5344CB8AC3E}">
-        <p14:creationId xmlns:p14="http://schemas.microsoft.com/office/powerpoint/2010/main" val="1899725238"/>
+        <p14:creationId xmlns:p14="http://schemas.microsoft.com/office/powerpoint/2010/main" val="4070406751"/>
       </p:ext>
     </p:extLst>
   </p:cSld>
@@ -15431,14 +14744,12 @@
         </p:nvSpPr>
         <p:spPr/>
         <p:txBody>
-          <a:bodyPr>
-            <a:noAutofit/>
-          </a:bodyPr>
+          <a:bodyPr/>
           <a:lstStyle/>
           <a:p>
             <a:r>
               <a:rPr lang="en-US" sz="5400" dirty="0" smtClean="0"/>
-              <a:t>Background</a:t>
+              <a:t>Topics</a:t>
             </a:r>
             <a:endParaRPr lang="en-US" sz="5400" dirty="0"/>
           </a:p>
@@ -15454,104 +14765,93 @@
             <p:ph sz="quarter" idx="1"/>
           </p:nvPr>
         </p:nvSpPr>
-        <p:spPr>
-          <a:xfrm>
-            <a:off x="457200" y="1143000"/>
-            <a:ext cx="8229600" cy="5210175"/>
-          </a:xfrm>
-        </p:spPr>
+        <p:spPr/>
         <p:txBody>
-          <a:bodyPr anchor="ctr">
-            <a:noAutofit/>
+          <a:bodyPr>
+            <a:normAutofit/>
           </a:bodyPr>
           <a:lstStyle/>
           <a:p>
-            <a:pPr>
-              <a:lnSpc>
-                <a:spcPct val="200000"/>
-              </a:lnSpc>
-            </a:pPr>
-            <a:r>
-              <a:rPr lang="en-US" sz="3200" dirty="0" smtClean="0"/>
-              <a:t>Human trafficking crimes are on the </a:t>
-            </a:r>
-            <a:r>
-              <a:rPr lang="en-US" sz="3200" dirty="0" smtClean="0"/>
-              <a:t>rise</a:t>
-            </a:r>
-          </a:p>
-          <a:p>
-            <a:endParaRPr lang="en-US" sz="3200" dirty="0" smtClean="0"/>
-          </a:p>
-          <a:p>
-            <a:r>
-              <a:rPr lang="en-US" sz="3200" dirty="0" smtClean="0"/>
-              <a:t>Few </a:t>
-            </a:r>
-            <a:r>
-              <a:rPr lang="en-US" sz="3200" dirty="0"/>
-              <a:t>unified resources containing case </a:t>
-            </a:r>
-            <a:r>
-              <a:rPr lang="en-US" sz="3200" dirty="0" smtClean="0"/>
-              <a:t>info</a:t>
-            </a:r>
-          </a:p>
-          <a:p>
-            <a:endParaRPr lang="en-US" sz="3200" dirty="0" smtClean="0"/>
-          </a:p>
-          <a:p>
-            <a:r>
-              <a:rPr lang="en-US" sz="3200" dirty="0"/>
-              <a:t>Vanessa </a:t>
-            </a:r>
-            <a:r>
-              <a:rPr lang="en-US" sz="3200" dirty="0" err="1"/>
-              <a:t>Bouché</a:t>
-            </a:r>
-            <a:r>
-              <a:rPr lang="en-US" sz="3200" dirty="0"/>
-              <a:t>, Ph.D.</a:t>
-            </a:r>
-          </a:p>
-          <a:p>
-            <a:pPr lvl="1"/>
-            <a:r>
-              <a:rPr lang="en-US" sz="3200" dirty="0"/>
-              <a:t> TCU Department of Political </a:t>
-            </a:r>
-            <a:r>
-              <a:rPr lang="en-US" sz="3200" dirty="0" smtClean="0"/>
-              <a:t>Science</a:t>
-            </a:r>
-            <a:endParaRPr lang="en-US" sz="3200" dirty="0" smtClean="0"/>
-          </a:p>
-          <a:p>
-            <a:pPr>
-              <a:lnSpc>
-                <a:spcPct val="200000"/>
-              </a:lnSpc>
-            </a:pPr>
-            <a:r>
-              <a:rPr lang="en-US" sz="3200" dirty="0" smtClean="0"/>
-              <a:t>Funded </a:t>
-            </a:r>
-            <a:r>
-              <a:rPr lang="en-US" sz="3200" dirty="0"/>
-              <a:t>by National Institute of </a:t>
-            </a:r>
-            <a:r>
-              <a:rPr lang="en-US" sz="3200" dirty="0" smtClean="0"/>
-              <a:t>Justice</a:t>
-            </a:r>
-            <a:endParaRPr lang="en-US" sz="3200" dirty="0" smtClean="0"/>
+            <a:r>
+              <a:rPr lang="en-US" sz="3600" dirty="0" smtClean="0"/>
+              <a:t>Judge Frog Project Requirements</a:t>
+            </a:r>
+            <a:endParaRPr lang="en-US" sz="3600" dirty="0" smtClean="0"/>
+          </a:p>
+          <a:p>
+            <a:r>
+              <a:rPr lang="en-US" sz="3600" dirty="0" smtClean="0"/>
+              <a:t>System </a:t>
+            </a:r>
+            <a:r>
+              <a:rPr lang="en-US" sz="3600" dirty="0" smtClean="0"/>
+              <a:t>Overview</a:t>
+            </a:r>
+            <a:endParaRPr lang="en-US" sz="3600" dirty="0" smtClean="0"/>
+          </a:p>
+          <a:p>
+            <a:r>
+              <a:rPr lang="en-US" sz="3600" dirty="0" smtClean="0"/>
+              <a:t>Database </a:t>
+            </a:r>
+            <a:r>
+              <a:rPr lang="en-US" sz="3600" dirty="0"/>
+              <a:t>S</a:t>
+            </a:r>
+            <a:r>
+              <a:rPr lang="en-US" sz="3600" dirty="0" smtClean="0"/>
+              <a:t>tructure</a:t>
+            </a:r>
+          </a:p>
+          <a:p>
+            <a:r>
+              <a:rPr lang="en-US" sz="3600" dirty="0" smtClean="0"/>
+              <a:t>Technologies Used</a:t>
+            </a:r>
+            <a:endParaRPr lang="en-US" sz="3600" dirty="0" smtClean="0"/>
+          </a:p>
+          <a:p>
+            <a:r>
+              <a:rPr lang="en-US" sz="3600" dirty="0" smtClean="0"/>
+              <a:t>Web </a:t>
+            </a:r>
+            <a:r>
+              <a:rPr lang="en-US" sz="3600" dirty="0" smtClean="0"/>
+              <a:t>A</a:t>
+            </a:r>
+            <a:r>
+              <a:rPr lang="en-US" sz="3600" dirty="0" smtClean="0"/>
+              <a:t>pplication</a:t>
+            </a:r>
+          </a:p>
+          <a:p>
+            <a:r>
+              <a:rPr lang="en-US" sz="3600" dirty="0"/>
+              <a:t>Demo</a:t>
+            </a:r>
+            <a:endParaRPr lang="en-US" sz="3600" dirty="0" smtClean="0"/>
+          </a:p>
+          <a:p>
+            <a:r>
+              <a:rPr lang="en-US" sz="3600" dirty="0" smtClean="0"/>
+              <a:t>Results</a:t>
+            </a:r>
+          </a:p>
+          <a:p>
+            <a:endParaRPr lang="en-US" sz="3600" dirty="0" smtClean="0"/>
+          </a:p>
+          <a:p>
+            <a:endParaRPr lang="en-US" dirty="0" smtClean="0"/>
+          </a:p>
+          <a:p>
+            <a:endParaRPr lang="en-US" dirty="0"/>
           </a:p>
         </p:txBody>
       </p:sp>
     </p:spTree>
     <p:extLst>
       <p:ext uri="{BB962C8B-B14F-4D97-AF65-F5344CB8AC3E}">
-        <p14:creationId xmlns:p14="http://schemas.microsoft.com/office/powerpoint/2010/main" val="3524000"/>
+        <p14:creationId xmlns:p14="http://schemas.microsoft.com/office/powerpoint/2010/main" val="1899725238"/>
       </p:ext>
     </p:extLst>
   </p:cSld>
@@ -15604,801 +14904,6 @@
           <a:p>
             <a:r>
               <a:rPr lang="en-US" sz="5400" dirty="0" smtClean="0"/>
-              <a:t>Project Overview</a:t>
-            </a:r>
-            <a:endParaRPr lang="en-US" sz="5400" dirty="0"/>
-          </a:p>
-        </p:txBody>
-      </p:sp>
-      <p:sp>
-        <p:nvSpPr>
-          <p:cNvPr id="3" name="Content Placeholder 2"/>
-          <p:cNvSpPr>
-            <a:spLocks noGrp="1"/>
-          </p:cNvSpPr>
-          <p:nvPr>
-            <p:ph sz="quarter" idx="1"/>
-          </p:nvPr>
-        </p:nvSpPr>
-        <p:spPr/>
-        <p:txBody>
-          <a:bodyPr/>
-          <a:lstStyle/>
-          <a:p>
-            <a:r>
-              <a:rPr lang="en-US" sz="3000" dirty="0" smtClean="0"/>
-              <a:t>Client approached TCU Computer Science Department</a:t>
-            </a:r>
-          </a:p>
-          <a:p>
-            <a:pPr lvl="1"/>
-            <a:r>
-              <a:rPr lang="en-US" sz="3000" dirty="0" smtClean="0"/>
-              <a:t>Build a comprehensive database</a:t>
-            </a:r>
-          </a:p>
-          <a:p>
-            <a:pPr lvl="1"/>
-            <a:r>
-              <a:rPr lang="en-US" sz="3000" dirty="0" smtClean="0"/>
-              <a:t>Design a Web application to interface with database</a:t>
-            </a:r>
-          </a:p>
-          <a:p>
-            <a:pPr lvl="1"/>
-            <a:endParaRPr lang="en-US" dirty="0" smtClean="0"/>
-          </a:p>
-          <a:p>
-            <a:pPr lvl="1"/>
-            <a:endParaRPr lang="en-US" dirty="0" smtClean="0"/>
-          </a:p>
-          <a:p>
-            <a:endParaRPr lang="en-US" dirty="0"/>
-          </a:p>
-        </p:txBody>
-      </p:sp>
-    </p:spTree>
-    <p:extLst>
-      <p:ext uri="{BB962C8B-B14F-4D97-AF65-F5344CB8AC3E}">
-        <p14:creationId xmlns:p14="http://schemas.microsoft.com/office/powerpoint/2010/main" val="442164688"/>
-      </p:ext>
-    </p:extLst>
-  </p:cSld>
-  <p:clrMapOvr>
-    <a:masterClrMapping/>
-  </p:clrMapOvr>
-</p:sld>
-</file>
-
-<file path=ppt/slides/slide6.xml><?xml version="1.0" encoding="utf-8"?>
-<p:sld xmlns:a="http://schemas.openxmlformats.org/drawingml/2006/main" xmlns:r="http://schemas.openxmlformats.org/officeDocument/2006/relationships" xmlns:p="http://schemas.openxmlformats.org/presentationml/2006/main" show="0">
-  <p:cSld>
-    <p:spTree>
-      <p:nvGrpSpPr>
-        <p:cNvPr id="1" name=""/>
-        <p:cNvGrpSpPr/>
-        <p:nvPr/>
-      </p:nvGrpSpPr>
-      <p:grpSpPr>
-        <a:xfrm>
-          <a:off x="0" y="0"/>
-          <a:ext cx="0" cy="0"/>
-          <a:chOff x="0" y="0"/>
-          <a:chExt cx="0" cy="0"/>
-        </a:xfrm>
-      </p:grpSpPr>
-      <p:sp>
-        <p:nvSpPr>
-          <p:cNvPr id="2" name="Title 1"/>
-          <p:cNvSpPr>
-            <a:spLocks noGrp="1"/>
-          </p:cNvSpPr>
-          <p:nvPr>
-            <p:ph type="title"/>
-          </p:nvPr>
-        </p:nvSpPr>
-        <p:spPr>
-          <a:noFill/>
-        </p:spPr>
-        <p:txBody>
-          <a:bodyPr>
-            <a:normAutofit/>
-          </a:bodyPr>
-          <a:lstStyle/>
-          <a:p>
-            <a:r>
-              <a:rPr lang="en-US" sz="5400" dirty="0" smtClean="0"/>
-              <a:t>Overview</a:t>
-            </a:r>
-            <a:endParaRPr lang="en-US" sz="5400" dirty="0"/>
-          </a:p>
-        </p:txBody>
-      </p:sp>
-      <p:sp>
-        <p:nvSpPr>
-          <p:cNvPr id="3" name="Content Placeholder 2"/>
-          <p:cNvSpPr>
-            <a:spLocks noGrp="1"/>
-          </p:cNvSpPr>
-          <p:nvPr>
-            <p:ph sz="quarter" idx="1"/>
-          </p:nvPr>
-        </p:nvSpPr>
-        <p:spPr>
-          <a:xfrm>
-            <a:off x="457200" y="1143000"/>
-            <a:ext cx="8229600" cy="5200650"/>
-          </a:xfrm>
-        </p:spPr>
-        <p:txBody>
-          <a:bodyPr anchor="ctr">
-            <a:noAutofit/>
-          </a:bodyPr>
-          <a:lstStyle/>
-          <a:p>
-            <a:pPr lvl="1">
-              <a:lnSpc>
-                <a:spcPct val="150000"/>
-              </a:lnSpc>
-            </a:pPr>
-            <a:r>
-              <a:rPr lang="en-US" sz="4800" dirty="0" smtClean="0">
-                <a:cs typeface="Myriad Pro"/>
-              </a:rPr>
-              <a:t>Main components:</a:t>
-            </a:r>
-          </a:p>
-          <a:p>
-            <a:pPr lvl="2">
-              <a:lnSpc>
-                <a:spcPct val="150000"/>
-              </a:lnSpc>
-            </a:pPr>
-            <a:r>
-              <a:rPr lang="en-US" sz="3700" dirty="0" smtClean="0">
-                <a:cs typeface="Myriad Pro"/>
-              </a:rPr>
-              <a:t>Database</a:t>
-            </a:r>
-            <a:endParaRPr lang="en-US" sz="3000" dirty="0" smtClean="0">
-              <a:cs typeface="Myriad Pro"/>
-            </a:endParaRPr>
-          </a:p>
-          <a:p>
-            <a:pPr lvl="2">
-              <a:lnSpc>
-                <a:spcPct val="150000"/>
-              </a:lnSpc>
-              <a:spcAft>
-                <a:spcPts val="600"/>
-              </a:spcAft>
-            </a:pPr>
-            <a:r>
-              <a:rPr lang="en-US" sz="3600" dirty="0" smtClean="0">
-                <a:cs typeface="Myriad Pro"/>
-              </a:rPr>
-              <a:t>Web application</a:t>
-            </a:r>
-          </a:p>
-          <a:p>
-            <a:pPr lvl="3">
-              <a:lnSpc>
-                <a:spcPct val="120000"/>
-              </a:lnSpc>
-              <a:spcAft>
-                <a:spcPts val="600"/>
-              </a:spcAft>
-            </a:pPr>
-            <a:r>
-              <a:rPr lang="en-US" sz="3200" dirty="0" smtClean="0">
-                <a:cs typeface="Myriad Pro"/>
-              </a:rPr>
-              <a:t> Search </a:t>
-            </a:r>
-            <a:r>
-              <a:rPr lang="en-US" sz="3200" dirty="0" smtClean="0">
-                <a:cs typeface="Myriad Pro"/>
-              </a:rPr>
-              <a:t>functionality</a:t>
-            </a:r>
-          </a:p>
-          <a:p>
-            <a:pPr lvl="3">
-              <a:lnSpc>
-                <a:spcPct val="110000"/>
-              </a:lnSpc>
-              <a:spcAft>
-                <a:spcPts val="600"/>
-              </a:spcAft>
-            </a:pPr>
-            <a:r>
-              <a:rPr lang="en-US" sz="3200" dirty="0" smtClean="0">
-                <a:cs typeface="Myriad Pro"/>
-              </a:rPr>
-              <a:t> Analyze functionality</a:t>
-            </a:r>
-            <a:endParaRPr lang="en-US" sz="3200" dirty="0" smtClean="0">
-              <a:cs typeface="Myriad Pro"/>
-            </a:endParaRPr>
-          </a:p>
-          <a:p>
-            <a:pPr lvl="3">
-              <a:lnSpc>
-                <a:spcPct val="110000"/>
-              </a:lnSpc>
-              <a:spcAft>
-                <a:spcPts val="600"/>
-              </a:spcAft>
-            </a:pPr>
-            <a:r>
-              <a:rPr lang="en-US" sz="3200" dirty="0" smtClean="0">
-                <a:cs typeface="Myriad Pro"/>
-              </a:rPr>
-              <a:t> Administrator </a:t>
-            </a:r>
-            <a:r>
-              <a:rPr lang="en-US" sz="3200" dirty="0" smtClean="0">
-                <a:cs typeface="Myriad Pro"/>
-              </a:rPr>
-              <a:t>panel</a:t>
-            </a:r>
-          </a:p>
-        </p:txBody>
-      </p:sp>
-    </p:spTree>
-    <p:extLst>
-      <p:ext uri="{BB962C8B-B14F-4D97-AF65-F5344CB8AC3E}">
-        <p14:creationId xmlns:p14="http://schemas.microsoft.com/office/powerpoint/2010/main" val="959324737"/>
-      </p:ext>
-    </p:extLst>
-  </p:cSld>
-  <p:clrMapOvr>
-    <a:masterClrMapping/>
-  </p:clrMapOvr>
-  <mc:AlternateContent xmlns:mc="http://schemas.openxmlformats.org/markup-compatibility/2006">
-    <mc:Choice xmlns:p14="http://schemas.microsoft.com/office/powerpoint/2010/main" Requires="p14">
-      <p:transition spd="slow" p14:dur="2000"/>
-    </mc:Choice>
-    <mc:Fallback>
-      <p:transition xmlns:p14="http://schemas.microsoft.com/office/powerpoint/2010/main" spd="slow"/>
-    </mc:Fallback>
-  </mc:AlternateContent>
-  <p:timing>
-    <p:tnLst>
-      <p:par>
-        <p:cTn xmlns:p14="http://schemas.microsoft.com/office/powerpoint/2010/main" id="1" dur="indefinite" restart="never" nodeType="tmRoot"/>
-      </p:par>
-    </p:tnLst>
-  </p:timing>
-</p:sld>
-</file>
-
-<file path=ppt/slides/slide7.xml><?xml version="1.0" encoding="utf-8"?>
-<p:sld xmlns:a="http://schemas.openxmlformats.org/drawingml/2006/main" xmlns:r="http://schemas.openxmlformats.org/officeDocument/2006/relationships" xmlns:p="http://schemas.openxmlformats.org/presentationml/2006/main" show="0">
-  <p:cSld>
-    <p:spTree>
-      <p:nvGrpSpPr>
-        <p:cNvPr id="1" name=""/>
-        <p:cNvGrpSpPr/>
-        <p:nvPr/>
-      </p:nvGrpSpPr>
-      <p:grpSpPr>
-        <a:xfrm>
-          <a:off x="0" y="0"/>
-          <a:ext cx="0" cy="0"/>
-          <a:chOff x="0" y="0"/>
-          <a:chExt cx="0" cy="0"/>
-        </a:xfrm>
-      </p:grpSpPr>
-      <p:sp>
-        <p:nvSpPr>
-          <p:cNvPr id="2" name="Title 1"/>
-          <p:cNvSpPr>
-            <a:spLocks noGrp="1"/>
-          </p:cNvSpPr>
-          <p:nvPr>
-            <p:ph type="title"/>
-          </p:nvPr>
-        </p:nvSpPr>
-        <p:spPr/>
-        <p:txBody>
-          <a:bodyPr>
-            <a:normAutofit/>
-          </a:bodyPr>
-          <a:lstStyle/>
-          <a:p>
-            <a:r>
-              <a:rPr lang="en-US" sz="5400" dirty="0" smtClean="0"/>
-              <a:t>System Overview</a:t>
-            </a:r>
-            <a:endParaRPr lang="en-US" sz="5400" dirty="0"/>
-          </a:p>
-        </p:txBody>
-      </p:sp>
-      <p:sp>
-        <p:nvSpPr>
-          <p:cNvPr id="3" name="Oval 2"/>
-          <p:cNvSpPr/>
-          <p:nvPr/>
-        </p:nvSpPr>
-        <p:spPr>
-          <a:xfrm>
-            <a:off x="1905000" y="5029200"/>
-            <a:ext cx="1695450" cy="1223961"/>
-          </a:xfrm>
-          <a:prstGeom prst="ellipse">
-            <a:avLst/>
-          </a:prstGeom>
-        </p:spPr>
-        <p:style>
-          <a:lnRef idx="2">
-            <a:schemeClr val="accent1">
-              <a:shade val="50000"/>
-            </a:schemeClr>
-          </a:lnRef>
-          <a:fillRef idx="1">
-            <a:schemeClr val="accent1"/>
-          </a:fillRef>
-          <a:effectRef idx="0">
-            <a:schemeClr val="accent1"/>
-          </a:effectRef>
-          <a:fontRef idx="minor">
-            <a:schemeClr val="lt1"/>
-          </a:fontRef>
-        </p:style>
-        <p:txBody>
-          <a:bodyPr rtlCol="0" anchor="ctr"/>
-          <a:lstStyle/>
-          <a:p>
-            <a:pPr algn="ctr"/>
-            <a:r>
-              <a:rPr lang="en-US" sz="2400" dirty="0" smtClean="0"/>
-              <a:t>Admins</a:t>
-            </a:r>
-            <a:endParaRPr lang="en-US" sz="2400" dirty="0"/>
-          </a:p>
-        </p:txBody>
-      </p:sp>
-      <p:sp>
-        <p:nvSpPr>
-          <p:cNvPr id="8" name="Rectangle 7"/>
-          <p:cNvSpPr/>
-          <p:nvPr/>
-        </p:nvSpPr>
-        <p:spPr>
-          <a:xfrm>
-            <a:off x="5486400" y="2667000"/>
-            <a:ext cx="1828800" cy="1600200"/>
-          </a:xfrm>
-          <a:prstGeom prst="rect">
-            <a:avLst/>
-          </a:prstGeom>
-        </p:spPr>
-        <p:style>
-          <a:lnRef idx="2">
-            <a:schemeClr val="accent1">
-              <a:shade val="50000"/>
-            </a:schemeClr>
-          </a:lnRef>
-          <a:fillRef idx="1">
-            <a:schemeClr val="accent1"/>
-          </a:fillRef>
-          <a:effectRef idx="0">
-            <a:schemeClr val="accent1"/>
-          </a:effectRef>
-          <a:fontRef idx="minor">
-            <a:schemeClr val="lt1"/>
-          </a:fontRef>
-        </p:style>
-        <p:txBody>
-          <a:bodyPr rtlCol="0" anchor="ctr"/>
-          <a:lstStyle/>
-          <a:p>
-            <a:pPr algn="ctr"/>
-            <a:r>
-              <a:rPr lang="en-US" sz="3200" dirty="0" smtClean="0"/>
-              <a:t>Search</a:t>
-            </a:r>
-            <a:endParaRPr lang="en-US" sz="3200" dirty="0"/>
-          </a:p>
-        </p:txBody>
-      </p:sp>
-      <p:sp>
-        <p:nvSpPr>
-          <p:cNvPr id="12" name="Flowchart: Magnetic Disk 11"/>
-          <p:cNvSpPr/>
-          <p:nvPr/>
-        </p:nvSpPr>
-        <p:spPr>
-          <a:xfrm>
-            <a:off x="5562600" y="4876800"/>
-            <a:ext cx="1785834" cy="1366703"/>
-          </a:xfrm>
-          <a:prstGeom prst="flowChartMagneticDisk">
-            <a:avLst/>
-          </a:prstGeom>
-        </p:spPr>
-        <p:style>
-          <a:lnRef idx="2">
-            <a:schemeClr val="accent1">
-              <a:shade val="50000"/>
-            </a:schemeClr>
-          </a:lnRef>
-          <a:fillRef idx="1">
-            <a:schemeClr val="accent1"/>
-          </a:fillRef>
-          <a:effectRef idx="0">
-            <a:schemeClr val="accent1"/>
-          </a:effectRef>
-          <a:fontRef idx="minor">
-            <a:schemeClr val="lt1"/>
-          </a:fontRef>
-        </p:style>
-        <p:txBody>
-          <a:bodyPr rtlCol="0" anchor="ctr"/>
-          <a:lstStyle/>
-          <a:p>
-            <a:pPr algn="ctr"/>
-            <a:r>
-              <a:rPr lang="en-US" sz="2400" dirty="0" smtClean="0"/>
-              <a:t>Data</a:t>
-            </a:r>
-            <a:endParaRPr lang="en-US" sz="2400" dirty="0"/>
-          </a:p>
-        </p:txBody>
-      </p:sp>
-      <p:sp>
-        <p:nvSpPr>
-          <p:cNvPr id="23" name="Oval 22"/>
-          <p:cNvSpPr/>
-          <p:nvPr/>
-        </p:nvSpPr>
-        <p:spPr>
-          <a:xfrm>
-            <a:off x="3714750" y="1143000"/>
-            <a:ext cx="1695450" cy="1223961"/>
-          </a:xfrm>
-          <a:prstGeom prst="ellipse">
-            <a:avLst/>
-          </a:prstGeom>
-        </p:spPr>
-        <p:style>
-          <a:lnRef idx="2">
-            <a:schemeClr val="accent1">
-              <a:shade val="50000"/>
-            </a:schemeClr>
-          </a:lnRef>
-          <a:fillRef idx="1">
-            <a:schemeClr val="accent1"/>
-          </a:fillRef>
-          <a:effectRef idx="0">
-            <a:schemeClr val="accent1"/>
-          </a:effectRef>
-          <a:fontRef idx="minor">
-            <a:schemeClr val="lt1"/>
-          </a:fontRef>
-        </p:style>
-        <p:txBody>
-          <a:bodyPr rtlCol="0" anchor="ctr"/>
-          <a:lstStyle/>
-          <a:p>
-            <a:pPr algn="ctr"/>
-            <a:r>
-              <a:rPr lang="en-US" sz="2400" dirty="0" smtClean="0"/>
-              <a:t>Clients</a:t>
-            </a:r>
-            <a:endParaRPr lang="en-US" sz="2400" dirty="0"/>
-          </a:p>
-        </p:txBody>
-      </p:sp>
-      <p:sp>
-        <p:nvSpPr>
-          <p:cNvPr id="27" name="Rectangle 26"/>
-          <p:cNvSpPr/>
-          <p:nvPr/>
-        </p:nvSpPr>
-        <p:spPr>
-          <a:xfrm>
-            <a:off x="1828800" y="2667000"/>
-            <a:ext cx="1828800" cy="1600200"/>
-          </a:xfrm>
-          <a:prstGeom prst="rect">
-            <a:avLst/>
-          </a:prstGeom>
-        </p:spPr>
-        <p:style>
-          <a:lnRef idx="2">
-            <a:schemeClr val="accent1">
-              <a:shade val="50000"/>
-            </a:schemeClr>
-          </a:lnRef>
-          <a:fillRef idx="1">
-            <a:schemeClr val="accent1"/>
-          </a:fillRef>
-          <a:effectRef idx="0">
-            <a:schemeClr val="accent1"/>
-          </a:effectRef>
-          <a:fontRef idx="minor">
-            <a:schemeClr val="lt1"/>
-          </a:fontRef>
-        </p:style>
-        <p:txBody>
-          <a:bodyPr rtlCol="0" anchor="ctr"/>
-          <a:lstStyle/>
-          <a:p>
-            <a:pPr algn="ctr"/>
-            <a:r>
-              <a:rPr lang="en-US" sz="3200" dirty="0" smtClean="0"/>
-              <a:t>Analyze</a:t>
-            </a:r>
-            <a:endParaRPr lang="en-US" sz="3200" dirty="0"/>
-          </a:p>
-        </p:txBody>
-      </p:sp>
-      <p:sp>
-        <p:nvSpPr>
-          <p:cNvPr id="25" name="Down Arrow 24"/>
-          <p:cNvSpPr/>
-          <p:nvPr/>
-        </p:nvSpPr>
-        <p:spPr>
-          <a:xfrm rot="5400000">
-            <a:off x="4329684" y="2604516"/>
-            <a:ext cx="484632" cy="1676400"/>
-          </a:xfrm>
-          <a:prstGeom prst="downArrow">
-            <a:avLst/>
-          </a:prstGeom>
-        </p:spPr>
-        <p:style>
-          <a:lnRef idx="2">
-            <a:schemeClr val="accent1">
-              <a:shade val="50000"/>
-            </a:schemeClr>
-          </a:lnRef>
-          <a:fillRef idx="1">
-            <a:schemeClr val="accent1"/>
-          </a:fillRef>
-          <a:effectRef idx="0">
-            <a:schemeClr val="accent1"/>
-          </a:effectRef>
-          <a:fontRef idx="minor">
-            <a:schemeClr val="lt1"/>
-          </a:fontRef>
-        </p:style>
-        <p:txBody>
-          <a:bodyPr vert="vert270" rtlCol="0" anchor="ctr"/>
-          <a:lstStyle/>
-          <a:p>
-            <a:pPr algn="ctr"/>
-            <a:endParaRPr lang="en-US" dirty="0"/>
-          </a:p>
-        </p:txBody>
-      </p:sp>
-      <p:sp>
-        <p:nvSpPr>
-          <p:cNvPr id="28" name="Down Arrow 27"/>
-          <p:cNvSpPr/>
-          <p:nvPr/>
-        </p:nvSpPr>
-        <p:spPr>
-          <a:xfrm rot="10800000">
-            <a:off x="6248401" y="4346272"/>
-            <a:ext cx="367874" cy="454328"/>
-          </a:xfrm>
-          <a:prstGeom prst="downArrow">
-            <a:avLst/>
-          </a:prstGeom>
-        </p:spPr>
-        <p:style>
-          <a:lnRef idx="2">
-            <a:schemeClr val="accent1">
-              <a:shade val="50000"/>
-            </a:schemeClr>
-          </a:lnRef>
-          <a:fillRef idx="1">
-            <a:schemeClr val="accent1"/>
-          </a:fillRef>
-          <a:effectRef idx="0">
-            <a:schemeClr val="accent1"/>
-          </a:effectRef>
-          <a:fontRef idx="minor">
-            <a:schemeClr val="lt1"/>
-          </a:fontRef>
-        </p:style>
-        <p:txBody>
-          <a:bodyPr rtlCol="0" anchor="ctr"/>
-          <a:lstStyle/>
-          <a:p>
-            <a:pPr algn="ctr"/>
-            <a:endParaRPr lang="en-US"/>
-          </a:p>
-        </p:txBody>
-      </p:sp>
-      <p:sp>
-        <p:nvSpPr>
-          <p:cNvPr id="31" name="Down Arrow 30"/>
-          <p:cNvSpPr/>
-          <p:nvPr/>
-        </p:nvSpPr>
-        <p:spPr>
-          <a:xfrm rot="3016804">
-            <a:off x="3349112" y="2015607"/>
-            <a:ext cx="389860" cy="640113"/>
-          </a:xfrm>
-          <a:prstGeom prst="downArrow">
-            <a:avLst/>
-          </a:prstGeom>
-        </p:spPr>
-        <p:style>
-          <a:lnRef idx="2">
-            <a:schemeClr val="accent1">
-              <a:shade val="50000"/>
-            </a:schemeClr>
-          </a:lnRef>
-          <a:fillRef idx="1">
-            <a:schemeClr val="accent1"/>
-          </a:fillRef>
-          <a:effectRef idx="0">
-            <a:schemeClr val="accent1"/>
-          </a:effectRef>
-          <a:fontRef idx="minor">
-            <a:schemeClr val="lt1"/>
-          </a:fontRef>
-        </p:style>
-        <p:txBody>
-          <a:bodyPr vert="vert270" rtlCol="0" anchor="ctr"/>
-          <a:lstStyle/>
-          <a:p>
-            <a:pPr algn="ctr"/>
-            <a:endParaRPr lang="en-US" dirty="0"/>
-          </a:p>
-        </p:txBody>
-      </p:sp>
-      <p:sp>
-        <p:nvSpPr>
-          <p:cNvPr id="35" name="Down Arrow 34"/>
-          <p:cNvSpPr/>
-          <p:nvPr/>
-        </p:nvSpPr>
-        <p:spPr>
-          <a:xfrm rot="18600000">
-            <a:off x="5363792" y="2013099"/>
-            <a:ext cx="389860" cy="657462"/>
-          </a:xfrm>
-          <a:prstGeom prst="downArrow">
-            <a:avLst/>
-          </a:prstGeom>
-        </p:spPr>
-        <p:style>
-          <a:lnRef idx="2">
-            <a:schemeClr val="accent1">
-              <a:shade val="50000"/>
-            </a:schemeClr>
-          </a:lnRef>
-          <a:fillRef idx="1">
-            <a:schemeClr val="accent1"/>
-          </a:fillRef>
-          <a:effectRef idx="0">
-            <a:schemeClr val="accent1"/>
-          </a:effectRef>
-          <a:fontRef idx="minor">
-            <a:schemeClr val="lt1"/>
-          </a:fontRef>
-        </p:style>
-        <p:txBody>
-          <a:bodyPr vert="vert270" rtlCol="0" anchor="ctr"/>
-          <a:lstStyle/>
-          <a:p>
-            <a:pPr algn="ctr"/>
-            <a:endParaRPr lang="en-US" dirty="0"/>
-          </a:p>
-        </p:txBody>
-      </p:sp>
-      <p:sp>
-        <p:nvSpPr>
-          <p:cNvPr id="36" name="Down Arrow 35"/>
-          <p:cNvSpPr/>
-          <p:nvPr/>
-        </p:nvSpPr>
-        <p:spPr>
-          <a:xfrm rot="16200000">
-            <a:off x="4329684" y="4738116"/>
-            <a:ext cx="484632" cy="1676400"/>
-          </a:xfrm>
-          <a:prstGeom prst="downArrow">
-            <a:avLst/>
-          </a:prstGeom>
-        </p:spPr>
-        <p:style>
-          <a:lnRef idx="2">
-            <a:schemeClr val="accent1">
-              <a:shade val="50000"/>
-            </a:schemeClr>
-          </a:lnRef>
-          <a:fillRef idx="1">
-            <a:schemeClr val="accent1"/>
-          </a:fillRef>
-          <a:effectRef idx="0">
-            <a:schemeClr val="accent1"/>
-          </a:effectRef>
-          <a:fontRef idx="minor">
-            <a:schemeClr val="lt1"/>
-          </a:fontRef>
-        </p:style>
-        <p:txBody>
-          <a:bodyPr vert="vert270" rtlCol="0" anchor="ctr"/>
-          <a:lstStyle/>
-          <a:p>
-            <a:pPr algn="ctr"/>
-            <a:endParaRPr lang="en-US" dirty="0"/>
-          </a:p>
-        </p:txBody>
-      </p:sp>
-    </p:spTree>
-    <p:extLst>
-      <p:ext uri="{BB962C8B-B14F-4D97-AF65-F5344CB8AC3E}">
-        <p14:creationId xmlns:p14="http://schemas.microsoft.com/office/powerpoint/2010/main" val="313829928"/>
-      </p:ext>
-    </p:extLst>
-  </p:cSld>
-  <p:clrMapOvr>
-    <a:masterClrMapping/>
-  </p:clrMapOvr>
-  <mc:AlternateContent xmlns:mc="http://schemas.openxmlformats.org/markup-compatibility/2006">
-    <mc:Choice xmlns:p14="http://schemas.microsoft.com/office/powerpoint/2010/main" Requires="p14">
-      <p:transition spd="slow" p14:dur="2000"/>
-    </mc:Choice>
-    <mc:Fallback>
-      <p:transition xmlns:p14="http://schemas.microsoft.com/office/powerpoint/2010/main" spd="slow"/>
-    </mc:Fallback>
-  </mc:AlternateContent>
-  <p:timing>
-    <p:tnLst>
-      <p:par>
-        <p:cTn xmlns:p14="http://schemas.microsoft.com/office/powerpoint/2010/main" id="1" dur="indefinite" restart="never" nodeType="tmRoot"/>
-      </p:par>
-    </p:tnLst>
-  </p:timing>
-</p:sld>
-</file>
-
-<file path=ppt/slides/slide8.xml><?xml version="1.0" encoding="utf-8"?>
-<p:sld xmlns:a="http://schemas.openxmlformats.org/drawingml/2006/main" xmlns:r="http://schemas.openxmlformats.org/officeDocument/2006/relationships" xmlns:p="http://schemas.openxmlformats.org/presentationml/2006/main">
-  <p:cSld>
-    <p:spTree>
-      <p:nvGrpSpPr>
-        <p:cNvPr id="1" name=""/>
-        <p:cNvGrpSpPr/>
-        <p:nvPr/>
-      </p:nvGrpSpPr>
-      <p:grpSpPr>
-        <a:xfrm>
-          <a:off x="0" y="0"/>
-          <a:ext cx="0" cy="0"/>
-          <a:chOff x="0" y="0"/>
-          <a:chExt cx="0" cy="0"/>
-        </a:xfrm>
-      </p:grpSpPr>
-      <p:sp>
-        <p:nvSpPr>
-          <p:cNvPr id="2" name="Title 1"/>
-          <p:cNvSpPr>
-            <a:spLocks noGrp="1"/>
-          </p:cNvSpPr>
-          <p:nvPr>
-            <p:ph type="title"/>
-          </p:nvPr>
-        </p:nvSpPr>
-        <p:spPr/>
-        <p:txBody>
-          <a:bodyPr>
-            <a:normAutofit/>
-          </a:bodyPr>
-          <a:lstStyle/>
-          <a:p>
-            <a:r>
-              <a:rPr lang="en-US" sz="5400" dirty="0" smtClean="0"/>
               <a:t>System Overview</a:t>
             </a:r>
             <a:endParaRPr lang="en-US" sz="5400" dirty="0"/>
@@ -16482,46 +14987,6 @@
           <a:p>
             <a:pPr algn="ctr"/>
             <a:endParaRPr lang="en-US"/>
-          </a:p>
-        </p:txBody>
-      </p:sp>
-      <p:sp>
-        <p:nvSpPr>
-          <p:cNvPr id="31" name="Down Arrow 30"/>
-          <p:cNvSpPr/>
-          <p:nvPr/>
-        </p:nvSpPr>
-        <p:spPr>
-          <a:xfrm rot="3016804">
-            <a:off x="3349112" y="2015607"/>
-            <a:ext cx="389860" cy="640113"/>
-          </a:xfrm>
-          <a:prstGeom prst="downArrow">
-            <a:avLst/>
-          </a:prstGeom>
-        </p:spPr>
-        <p:style>
-          <a:lnRef idx="2">
-            <a:schemeClr val="accent1">
-              <a:shade val="50000"/>
-            </a:schemeClr>
-          </a:lnRef>
-          <a:fillRef idx="1">
-            <a:schemeClr val="accent1"/>
-          </a:fillRef>
-          <a:effectRef idx="0">
-            <a:schemeClr val="accent1"/>
-          </a:effectRef>
-          <a:fontRef idx="minor">
-            <a:schemeClr val="lt1"/>
-          </a:fontRef>
-        </p:style>
-        <p:txBody>
-          <a:bodyPr vert="vert270" rtlCol="0" anchor="ctr"/>
-          <a:lstStyle/>
-          <a:p>
-            <a:pPr algn="ctr"/>
-            <a:endParaRPr lang="en-US" dirty="0"/>
           </a:p>
         </p:txBody>
       </p:sp>
@@ -16920,6 +15385,46 @@
           </a:prstGeom>
         </p:spPr>
       </p:pic>
+      <p:sp>
+        <p:nvSpPr>
+          <p:cNvPr id="31" name="Down Arrow 30"/>
+          <p:cNvSpPr/>
+          <p:nvPr/>
+        </p:nvSpPr>
+        <p:spPr>
+          <a:xfrm rot="3016804">
+            <a:off x="3349112" y="2015607"/>
+            <a:ext cx="389860" cy="640113"/>
+          </a:xfrm>
+          <a:prstGeom prst="downArrow">
+            <a:avLst/>
+          </a:prstGeom>
+        </p:spPr>
+        <p:style>
+          <a:lnRef idx="2">
+            <a:schemeClr val="accent1">
+              <a:shade val="50000"/>
+            </a:schemeClr>
+          </a:lnRef>
+          <a:fillRef idx="1">
+            <a:schemeClr val="accent1"/>
+          </a:fillRef>
+          <a:effectRef idx="0">
+            <a:schemeClr val="accent1"/>
+          </a:effectRef>
+          <a:fontRef idx="minor">
+            <a:schemeClr val="lt1"/>
+          </a:fontRef>
+        </p:style>
+        <p:txBody>
+          <a:bodyPr vert="vert270" rtlCol="0" anchor="ctr"/>
+          <a:lstStyle/>
+          <a:p>
+            <a:pPr algn="ctr"/>
+            <a:endParaRPr lang="en-US" dirty="0"/>
+          </a:p>
+        </p:txBody>
+      </p:sp>
     </p:spTree>
     <p:extLst>
       <p:ext uri="{BB962C8B-B14F-4D97-AF65-F5344CB8AC3E}">
@@ -16948,6 +15453,331 @@
 </p:sld>
 </file>
 
+<file path=ppt/slides/slide6.xml><?xml version="1.0" encoding="utf-8"?>
+<p:sld xmlns:a="http://schemas.openxmlformats.org/drawingml/2006/main" xmlns:r="http://schemas.openxmlformats.org/officeDocument/2006/relationships" xmlns:p="http://schemas.openxmlformats.org/presentationml/2006/main">
+  <p:cSld>
+    <p:spTree>
+      <p:nvGrpSpPr>
+        <p:cNvPr id="1" name=""/>
+        <p:cNvGrpSpPr/>
+        <p:nvPr/>
+      </p:nvGrpSpPr>
+      <p:grpSpPr>
+        <a:xfrm>
+          <a:off x="0" y="0"/>
+          <a:ext cx="0" cy="0"/>
+          <a:chOff x="0" y="0"/>
+          <a:chExt cx="0" cy="0"/>
+        </a:xfrm>
+      </p:grpSpPr>
+      <p:sp>
+        <p:nvSpPr>
+          <p:cNvPr id="2" name="Title 1"/>
+          <p:cNvSpPr>
+            <a:spLocks noGrp="1"/>
+          </p:cNvSpPr>
+          <p:nvPr>
+            <p:ph type="title"/>
+          </p:nvPr>
+        </p:nvSpPr>
+        <p:spPr/>
+        <p:txBody>
+          <a:bodyPr>
+            <a:noAutofit/>
+          </a:bodyPr>
+          <a:lstStyle/>
+          <a:p>
+            <a:r>
+              <a:rPr lang="en-US" sz="5400" dirty="0" smtClean="0"/>
+              <a:t>Database</a:t>
+            </a:r>
+            <a:endParaRPr lang="en-US" sz="5400" dirty="0"/>
+          </a:p>
+        </p:txBody>
+      </p:sp>
+      <p:sp>
+        <p:nvSpPr>
+          <p:cNvPr id="3" name="Content Placeholder 2"/>
+          <p:cNvSpPr>
+            <a:spLocks noGrp="1"/>
+          </p:cNvSpPr>
+          <p:nvPr>
+            <p:ph sz="quarter" idx="1"/>
+          </p:nvPr>
+        </p:nvSpPr>
+        <p:spPr/>
+        <p:txBody>
+          <a:bodyPr anchor="ctr">
+            <a:noAutofit/>
+          </a:bodyPr>
+          <a:lstStyle/>
+          <a:p>
+            <a:pPr lvl="1"/>
+            <a:r>
+              <a:rPr lang="en-US" sz="3600" dirty="0" smtClean="0">
+                <a:cs typeface="Myriad Pro"/>
+              </a:rPr>
+              <a:t>Developed </a:t>
+            </a:r>
+            <a:r>
+              <a:rPr lang="en-US" sz="3600" dirty="0" smtClean="0">
+                <a:cs typeface="Myriad Pro"/>
+              </a:rPr>
+              <a:t>using MySQL5</a:t>
+            </a:r>
+          </a:p>
+          <a:p>
+            <a:pPr lvl="2"/>
+            <a:r>
+              <a:rPr lang="en-US" sz="3300" dirty="0" smtClean="0">
+                <a:cs typeface="Myriad Pro"/>
+              </a:rPr>
+              <a:t>MySQL Workbench</a:t>
+            </a:r>
+          </a:p>
+          <a:p>
+            <a:pPr marL="594360" lvl="2" indent="0">
+              <a:buNone/>
+            </a:pPr>
+            <a:endParaRPr lang="en-US" sz="3300" dirty="0" smtClean="0">
+              <a:cs typeface="Myriad Pro"/>
+            </a:endParaRPr>
+          </a:p>
+          <a:p>
+            <a:pPr lvl="1"/>
+            <a:r>
+              <a:rPr lang="en-US" sz="3600" dirty="0" smtClean="0">
+                <a:cs typeface="Myriad Pro"/>
+              </a:rPr>
+              <a:t>Stores denormalized case information</a:t>
+            </a:r>
+          </a:p>
+          <a:p>
+            <a:pPr lvl="1"/>
+            <a:endParaRPr lang="en-US" sz="3600" dirty="0" smtClean="0">
+              <a:cs typeface="Myriad Pro"/>
+            </a:endParaRPr>
+          </a:p>
+          <a:p>
+            <a:pPr lvl="1"/>
+            <a:r>
+              <a:rPr lang="en-US" sz="3600" dirty="0" smtClean="0">
+                <a:cs typeface="Myriad Pro"/>
+              </a:rPr>
+              <a:t>Conforms to client standard</a:t>
+            </a:r>
+          </a:p>
+        </p:txBody>
+      </p:sp>
+    </p:spTree>
+    <p:extLst>
+      <p:ext uri="{BB962C8B-B14F-4D97-AF65-F5344CB8AC3E}">
+        <p14:creationId xmlns:p14="http://schemas.microsoft.com/office/powerpoint/2010/main" val="2716839829"/>
+      </p:ext>
+    </p:extLst>
+  </p:cSld>
+  <p:clrMapOvr>
+    <a:masterClrMapping/>
+  </p:clrMapOvr>
+  <p:timing>
+    <p:tnLst>
+      <p:par>
+        <p:cTn xmlns:p14="http://schemas.microsoft.com/office/powerpoint/2010/main" id="1" dur="indefinite" restart="never" nodeType="tmRoot"/>
+      </p:par>
+    </p:tnLst>
+  </p:timing>
+</p:sld>
+</file>
+
+<file path=ppt/slides/slide7.xml><?xml version="1.0" encoding="utf-8"?>
+<p:sld xmlns:a="http://schemas.openxmlformats.org/drawingml/2006/main" xmlns:r="http://schemas.openxmlformats.org/officeDocument/2006/relationships" xmlns:p="http://schemas.openxmlformats.org/presentationml/2006/main">
+  <p:cSld>
+    <p:spTree>
+      <p:nvGrpSpPr>
+        <p:cNvPr id="1" name=""/>
+        <p:cNvGrpSpPr/>
+        <p:nvPr/>
+      </p:nvGrpSpPr>
+      <p:grpSpPr>
+        <a:xfrm>
+          <a:off x="0" y="0"/>
+          <a:ext cx="0" cy="0"/>
+          <a:chOff x="0" y="0"/>
+          <a:chExt cx="0" cy="0"/>
+        </a:xfrm>
+      </p:grpSpPr>
+      <p:sp>
+        <p:nvSpPr>
+          <p:cNvPr id="2" name="Title 1"/>
+          <p:cNvSpPr>
+            <a:spLocks noGrp="1"/>
+          </p:cNvSpPr>
+          <p:nvPr>
+            <p:ph type="title"/>
+          </p:nvPr>
+        </p:nvSpPr>
+        <p:spPr/>
+        <p:txBody>
+          <a:bodyPr>
+            <a:normAutofit/>
+          </a:bodyPr>
+          <a:lstStyle/>
+          <a:p>
+            <a:r>
+              <a:rPr lang="en-US" sz="5400" dirty="0" smtClean="0"/>
+              <a:t>Database</a:t>
+            </a:r>
+            <a:endParaRPr lang="en-US" sz="5400" dirty="0"/>
+          </a:p>
+        </p:txBody>
+      </p:sp>
+      <p:graphicFrame>
+        <p:nvGraphicFramePr>
+          <p:cNvPr id="47" name="Diagram 46"/>
+          <p:cNvGraphicFramePr/>
+          <p:nvPr>
+            <p:extLst>
+              <p:ext uri="{D42A27DB-BD31-4B8C-83A1-F6EECF244321}">
+                <p14:modId xmlns:p14="http://schemas.microsoft.com/office/powerpoint/2010/main" val="1187488760"/>
+              </p:ext>
+            </p:extLst>
+          </p:nvPr>
+        </p:nvGraphicFramePr>
+        <p:xfrm>
+          <a:off x="466724" y="1200150"/>
+          <a:ext cx="8220075" cy="5124450"/>
+        </p:xfrm>
+        <a:graphic>
+          <a:graphicData uri="http://schemas.openxmlformats.org/drawingml/2006/diagram">
+            <dgm:relIds xmlns:dgm="http://schemas.openxmlformats.org/drawingml/2006/diagram" xmlns:r="http://schemas.openxmlformats.org/officeDocument/2006/relationships" r:dm="rId3" r:lo="rId4" r:qs="rId5" r:cs="rId6"/>
+          </a:graphicData>
+        </a:graphic>
+      </p:graphicFrame>
+    </p:spTree>
+    <p:extLst>
+      <p:ext uri="{BB962C8B-B14F-4D97-AF65-F5344CB8AC3E}">
+        <p14:creationId xmlns:p14="http://schemas.microsoft.com/office/powerpoint/2010/main" val="239560884"/>
+      </p:ext>
+    </p:extLst>
+  </p:cSld>
+  <p:clrMapOvr>
+    <a:masterClrMapping/>
+  </p:clrMapOvr>
+  <p:timing>
+    <p:tnLst>
+      <p:par>
+        <p:cTn xmlns:p14="http://schemas.microsoft.com/office/powerpoint/2010/main" id="1" dur="indefinite" restart="never" nodeType="tmRoot"/>
+      </p:par>
+    </p:tnLst>
+  </p:timing>
+</p:sld>
+</file>
+
+<file path=ppt/slides/slide8.xml><?xml version="1.0" encoding="utf-8"?>
+<p:sld xmlns:a="http://schemas.openxmlformats.org/drawingml/2006/main" xmlns:r="http://schemas.openxmlformats.org/officeDocument/2006/relationships" xmlns:p="http://schemas.openxmlformats.org/presentationml/2006/main">
+  <p:cSld>
+    <p:spTree>
+      <p:nvGrpSpPr>
+        <p:cNvPr id="1" name=""/>
+        <p:cNvGrpSpPr/>
+        <p:nvPr/>
+      </p:nvGrpSpPr>
+      <p:grpSpPr>
+        <a:xfrm>
+          <a:off x="0" y="0"/>
+          <a:ext cx="0" cy="0"/>
+          <a:chOff x="0" y="0"/>
+          <a:chExt cx="0" cy="0"/>
+        </a:xfrm>
+      </p:grpSpPr>
+      <p:sp>
+        <p:nvSpPr>
+          <p:cNvPr id="2" name="Title 1"/>
+          <p:cNvSpPr>
+            <a:spLocks noGrp="1"/>
+          </p:cNvSpPr>
+          <p:nvPr>
+            <p:ph type="title"/>
+          </p:nvPr>
+        </p:nvSpPr>
+        <p:spPr/>
+        <p:txBody>
+          <a:bodyPr>
+            <a:normAutofit/>
+          </a:bodyPr>
+          <a:lstStyle/>
+          <a:p>
+            <a:r>
+              <a:rPr lang="en-US" sz="5400" dirty="0" smtClean="0"/>
+              <a:t>Why MySQL?</a:t>
+            </a:r>
+            <a:endParaRPr lang="en-US" sz="5400" dirty="0"/>
+          </a:p>
+        </p:txBody>
+      </p:sp>
+      <p:sp>
+        <p:nvSpPr>
+          <p:cNvPr id="5" name="Content Placeholder 4"/>
+          <p:cNvSpPr>
+            <a:spLocks noGrp="1"/>
+          </p:cNvSpPr>
+          <p:nvPr>
+            <p:ph sz="quarter" idx="1"/>
+          </p:nvPr>
+        </p:nvSpPr>
+        <p:spPr/>
+        <p:txBody>
+          <a:bodyPr anchor="ctr">
+            <a:normAutofit/>
+          </a:bodyPr>
+          <a:lstStyle/>
+          <a:p>
+            <a:r>
+              <a:rPr lang="en-US" sz="3600" dirty="0" smtClean="0"/>
+              <a:t>Scalability, flexibility, and performance</a:t>
+            </a:r>
+          </a:p>
+          <a:p>
+            <a:endParaRPr lang="en-US" sz="3600" dirty="0" smtClean="0"/>
+          </a:p>
+          <a:p>
+            <a:r>
+              <a:rPr lang="en-US" sz="3600" dirty="0" smtClean="0"/>
+              <a:t>Availability from web hosting providers</a:t>
+            </a:r>
+          </a:p>
+          <a:p>
+            <a:endParaRPr lang="en-US" sz="3600" dirty="0" smtClean="0"/>
+          </a:p>
+          <a:p>
+            <a:r>
+              <a:rPr lang="en-US" sz="3600" dirty="0" smtClean="0"/>
+              <a:t>MySQL Workbench</a:t>
+            </a:r>
+            <a:endParaRPr lang="en-US" sz="3600" dirty="0"/>
+          </a:p>
+        </p:txBody>
+      </p:sp>
+    </p:spTree>
+    <p:extLst>
+      <p:ext uri="{BB962C8B-B14F-4D97-AF65-F5344CB8AC3E}">
+        <p14:creationId xmlns:p14="http://schemas.microsoft.com/office/powerpoint/2010/main" val="1748915063"/>
+      </p:ext>
+    </p:extLst>
+  </p:cSld>
+  <p:clrMapOvr>
+    <a:masterClrMapping/>
+  </p:clrMapOvr>
+  <p:timing>
+    <p:tnLst>
+      <p:par>
+        <p:cTn xmlns:p14="http://schemas.microsoft.com/office/powerpoint/2010/main" id="1" dur="indefinite" restart="never" nodeType="tmRoot"/>
+      </p:par>
+    </p:tnLst>
+  </p:timing>
+</p:sld>
+</file>
+
 <file path=ppt/slides/slide9.xml><?xml version="1.0" encoding="utf-8"?>
 <p:sld xmlns:a="http://schemas.openxmlformats.org/drawingml/2006/main" xmlns:r="http://schemas.openxmlformats.org/officeDocument/2006/relationships" xmlns:p="http://schemas.openxmlformats.org/presentationml/2006/main">
   <p:cSld>
@@ -16978,13 +15808,13 @@
         <p:spPr/>
         <p:txBody>
           <a:bodyPr>
-            <a:noAutofit/>
+            <a:normAutofit/>
           </a:bodyPr>
           <a:lstStyle/>
           <a:p>
             <a:r>
               <a:rPr lang="en-US" sz="5400" dirty="0" smtClean="0"/>
-              <a:t>Database</a:t>
+              <a:t>Web Application</a:t>
             </a:r>
             <a:endParaRPr lang="en-US" sz="5400" dirty="0"/>
           </a:p>
@@ -17003,57 +15833,99 @@
         <p:spPr/>
         <p:txBody>
           <a:bodyPr anchor="ctr">
-            <a:noAutofit/>
+            <a:normAutofit/>
           </a:bodyPr>
           <a:lstStyle/>
           <a:p>
-            <a:pPr lvl="1"/>
-            <a:r>
-              <a:rPr lang="en-US" sz="3600" dirty="0" smtClean="0">
+            <a:pPr>
+              <a:defRPr/>
+            </a:pPr>
+            <a:r>
+              <a:rPr lang="en-US" sz="4000" dirty="0" smtClean="0">
                 <a:cs typeface="Myriad Pro"/>
               </a:rPr>
-              <a:t>Developed using MySQL5</a:t>
-            </a:r>
-          </a:p>
-          <a:p>
-            <a:pPr lvl="2"/>
-            <a:r>
-              <a:rPr lang="en-US" sz="3300" dirty="0" smtClean="0">
+              <a:t>Developed using:</a:t>
+            </a:r>
+          </a:p>
+          <a:p>
+            <a:pPr lvl="1">
+              <a:defRPr/>
+            </a:pPr>
+            <a:r>
+              <a:rPr lang="en-US" sz="3700" dirty="0" smtClean="0">
                 <a:cs typeface="Myriad Pro"/>
               </a:rPr>
-              <a:t>MySQL Workbench</a:t>
-            </a:r>
-          </a:p>
-          <a:p>
-            <a:pPr marL="594360" lvl="2" indent="0">
-              <a:buNone/>
+              <a:t>PHP</a:t>
+            </a:r>
+          </a:p>
+          <a:p>
+            <a:pPr lvl="2">
+              <a:defRPr/>
             </a:pPr>
-            <a:endParaRPr lang="en-US" sz="3300" dirty="0" smtClean="0">
+            <a:r>
+              <a:rPr lang="en-US" sz="3400" dirty="0" err="1" smtClean="0">
+                <a:cs typeface="Myriad Pro"/>
+              </a:rPr>
+              <a:t>CakePHP</a:t>
+            </a:r>
+            <a:r>
+              <a:rPr lang="en-US" sz="3400" dirty="0" smtClean="0">
+                <a:cs typeface="Myriad Pro"/>
+              </a:rPr>
+              <a:t> Framework</a:t>
+            </a:r>
+          </a:p>
+          <a:p>
+            <a:pPr lvl="1">
+              <a:defRPr/>
+            </a:pPr>
+            <a:r>
+              <a:rPr lang="en-US" sz="3900" dirty="0" err="1" smtClean="0">
+                <a:cs typeface="Myriad Pro"/>
+              </a:rPr>
+              <a:t>Javascript</a:t>
+            </a:r>
+            <a:r>
+              <a:rPr lang="en-US" sz="3900" dirty="0" smtClean="0">
+                <a:cs typeface="Myriad Pro"/>
+              </a:rPr>
+              <a:t> + JQuery</a:t>
+            </a:r>
+          </a:p>
+          <a:p>
+            <a:pPr lvl="1">
+              <a:defRPr/>
+            </a:pPr>
+            <a:r>
+              <a:rPr lang="en-US" sz="3900" dirty="0" smtClean="0">
+                <a:cs typeface="Myriad Pro"/>
+              </a:rPr>
+              <a:t>Google Charts</a:t>
+            </a:r>
+          </a:p>
+          <a:p>
+            <a:pPr lvl="1">
+              <a:defRPr/>
+            </a:pPr>
+            <a:r>
+              <a:rPr lang="en-US" sz="3900" dirty="0" smtClean="0">
+                <a:cs typeface="Myriad Pro"/>
+              </a:rPr>
+              <a:t>Bootstrap</a:t>
+            </a:r>
+            <a:endParaRPr lang="en-US" sz="4000" dirty="0" smtClean="0">
               <a:cs typeface="Myriad Pro"/>
             </a:endParaRPr>
           </a:p>
           <a:p>
-            <a:pPr lvl="1"/>
-            <a:r>
-              <a:rPr lang="en-US" sz="3600" dirty="0" smtClean="0">
+            <a:pPr>
+              <a:defRPr/>
+            </a:pPr>
+            <a:r>
+              <a:rPr lang="en-US" sz="4000" dirty="0" smtClean="0">
                 <a:cs typeface="Myriad Pro"/>
               </a:rPr>
-              <a:t>Stores denormalized case information</a:t>
-            </a:r>
-          </a:p>
-          <a:p>
-            <a:pPr lvl="1"/>
-            <a:endParaRPr lang="en-US" sz="3600" dirty="0" smtClean="0">
-              <a:cs typeface="Myriad Pro"/>
-            </a:endParaRPr>
-          </a:p>
-          <a:p>
-            <a:pPr lvl="1"/>
-            <a:r>
-              <a:rPr lang="en-US" sz="3600" dirty="0" smtClean="0">
-                <a:cs typeface="Myriad Pro"/>
-              </a:rPr>
-              <a:t>Conforms to client standard</a:t>
+              <a:t>Comprised of three sections</a:t>
             </a:r>
           </a:p>
         </p:txBody>
@@ -17061,13 +15933,21 @@
     </p:spTree>
     <p:extLst>
       <p:ext uri="{BB962C8B-B14F-4D97-AF65-F5344CB8AC3E}">
-        <p14:creationId xmlns:p14="http://schemas.microsoft.com/office/powerpoint/2010/main" val="2716839829"/>
+        <p14:creationId xmlns:p14="http://schemas.microsoft.com/office/powerpoint/2010/main" val="1698040896"/>
       </p:ext>
     </p:extLst>
   </p:cSld>
   <p:clrMapOvr>
     <a:masterClrMapping/>
   </p:clrMapOvr>
+  <mc:AlternateContent xmlns:mc="http://schemas.openxmlformats.org/markup-compatibility/2006" xmlns:p14="http://schemas.microsoft.com/office/powerpoint/2010/main">
+    <mc:Choice Requires="p14">
+      <p:transition spd="slow" p14:dur="2000"/>
+    </mc:Choice>
+    <mc:Fallback xmlns="">
+      <p:transition spd="slow"/>
+    </mc:Fallback>
+  </mc:AlternateContent>
   <p:timing>
     <p:tnLst>
       <p:par>

--- a/documentation/Project/NT_Presentation.pptx
+++ b/documentation/Project/NT_Presentation.pptx
@@ -8679,9 +8679,12 @@
           <a:lstStyle/>
           <a:p>
             <a:r>
-              <a:rPr lang="en-US" dirty="0" smtClean="0"/>
+              <a:rPr lang="en-US" smtClean="0"/>
               <a:t>Landon </a:t>
             </a:r>
+          </a:p>
+          <a:p>
+            <a:endParaRPr lang="en-US" dirty="0" smtClean="0"/>
           </a:p>
           <a:p>
             <a:endParaRPr lang="en-US" dirty="0" smtClean="0"/>
@@ -14648,7 +14651,7 @@
                 <a:latin typeface="Myriad Pro"/>
                 <a:cs typeface="Myriad Pro"/>
               </a:rPr>
-              <a:t>Publically available centralized data store of HT data</a:t>
+              <a:t>Publically available centralized database of HT data</a:t>
             </a:r>
           </a:p>
           <a:p>

--- a/documentation/Project/NT_Presentation.pptx
+++ b/documentation/Project/NT_Presentation.pptx
@@ -125,7 +125,7 @@
   </p:defaultTextStyle>
   <p:extLst>
     <p:ext uri="{EFAFB233-063F-42B5-8137-9DF3F51BA10A}">
-      <p15:sldGuideLst xmlns:p15="http://schemas.microsoft.com/office/powerpoint/2012/main" xmlns="">
+      <p15:sldGuideLst xmlns="" xmlns:p15="http://schemas.microsoft.com/office/powerpoint/2012/main">
         <p15:guide id="1" orient="horz" pos="2160">
           <p15:clr>
             <a:srgbClr val="A4A3A4"/>
@@ -4095,12 +4095,12 @@
         </a:fontRef>
       </dsp:style>
       <dsp:txBody>
-        <a:bodyPr spcFirstLastPara="0" vert="horz" wrap="square" lIns="144780" tIns="144780" rIns="144780" bIns="144780" numCol="1" spcCol="1270" anchor="ctr" anchorCtr="0">
+        <a:bodyPr spcFirstLastPara="0" vert="horz" wrap="square" lIns="148590" tIns="148590" rIns="148590" bIns="148590" numCol="1" spcCol="1270" anchor="ctr" anchorCtr="0">
           <a:noAutofit/>
         </a:bodyPr>
         <a:lstStyle/>
         <a:p>
-          <a:pPr lvl="0" algn="ctr" defTabSz="1689100">
+          <a:pPr lvl="0" algn="ctr" defTabSz="1733550">
             <a:lnSpc>
               <a:spcPct val="90000"/>
             </a:lnSpc>
@@ -4112,10 +4112,10 @@
             </a:spcAft>
           </a:pPr>
           <a:r>
-            <a:rPr lang="en-US" sz="3800" kern="1200" dirty="0" smtClean="0"/>
+            <a:rPr lang="en-US" sz="3900" kern="1200" dirty="0" smtClean="0"/>
             <a:t>Admin Panel</a:t>
           </a:r>
-          <a:endParaRPr lang="en-US" sz="3800" kern="1200" dirty="0"/>
+          <a:endParaRPr lang="en-US" sz="3900" kern="1200" dirty="0"/>
         </a:p>
       </dsp:txBody>
       <dsp:txXfrm>
@@ -4287,12 +4287,12 @@
         </a:fontRef>
       </dsp:style>
       <dsp:txBody>
-        <a:bodyPr spcFirstLastPara="0" vert="horz" wrap="square" lIns="144780" tIns="144780" rIns="144780" bIns="144780" numCol="1" spcCol="1270" anchor="ctr" anchorCtr="0">
+        <a:bodyPr spcFirstLastPara="0" vert="horz" wrap="square" lIns="148590" tIns="148590" rIns="148590" bIns="148590" numCol="1" spcCol="1270" anchor="ctr" anchorCtr="0">
           <a:noAutofit/>
         </a:bodyPr>
         <a:lstStyle/>
         <a:p>
-          <a:pPr lvl="0" algn="ctr" defTabSz="1689100">
+          <a:pPr lvl="0" algn="ctr" defTabSz="1733550">
             <a:lnSpc>
               <a:spcPct val="90000"/>
             </a:lnSpc>
@@ -4304,10 +4304,10 @@
             </a:spcAft>
           </a:pPr>
           <a:r>
-            <a:rPr lang="en-US" sz="3800" kern="1200" dirty="0" smtClean="0"/>
+            <a:rPr lang="en-US" sz="3900" kern="1200" dirty="0" smtClean="0"/>
             <a:t>Search</a:t>
           </a:r>
-          <a:endParaRPr lang="en-US" sz="3800" kern="1200" dirty="0"/>
+          <a:endParaRPr lang="en-US" sz="3900" kern="1200" dirty="0"/>
         </a:p>
       </dsp:txBody>
       <dsp:txXfrm>
@@ -4427,12 +4427,12 @@
         </a:fontRef>
       </dsp:style>
       <dsp:txBody>
-        <a:bodyPr spcFirstLastPara="0" vert="horz" wrap="square" lIns="144780" tIns="144780" rIns="144780" bIns="144780" numCol="1" spcCol="1270" anchor="ctr" anchorCtr="0">
+        <a:bodyPr spcFirstLastPara="0" vert="horz" wrap="square" lIns="148590" tIns="148590" rIns="148590" bIns="148590" numCol="1" spcCol="1270" anchor="ctr" anchorCtr="0">
           <a:noAutofit/>
         </a:bodyPr>
         <a:lstStyle/>
         <a:p>
-          <a:pPr lvl="0" algn="ctr" defTabSz="1689100">
+          <a:pPr lvl="0" algn="ctr" defTabSz="1733550">
             <a:lnSpc>
               <a:spcPct val="90000"/>
             </a:lnSpc>
@@ -4444,10 +4444,10 @@
             </a:spcAft>
           </a:pPr>
           <a:r>
-            <a:rPr lang="en-US" sz="3800" kern="1200" dirty="0" smtClean="0"/>
+            <a:rPr lang="en-US" sz="3900" kern="1200" dirty="0" smtClean="0"/>
             <a:t>Analyze</a:t>
           </a:r>
-          <a:endParaRPr lang="en-US" sz="3800" kern="1200" dirty="0"/>
+          <a:endParaRPr lang="en-US" sz="3900" kern="1200" dirty="0"/>
         </a:p>
       </dsp:txBody>
       <dsp:txXfrm>
@@ -7551,7 +7551,7 @@
           <a:p>
             <a:fld id="{68618583-4D68-0F4C-82C7-8C62096A557A}" type="datetimeFigureOut">
               <a:rPr lang="en-US" smtClean="0"/>
-              <a:t>4/15/15</a:t>
+              <a:t>4/16/2015</a:t>
             </a:fld>
             <a:endParaRPr lang="en-US"/>
           </a:p>
@@ -8405,18 +8405,8 @@
           <a:lstStyle/>
           <a:p>
             <a:r>
-              <a:rPr lang="en-US" dirty="0" smtClean="0"/>
-              <a:t>Collin (searching) </a:t>
-            </a:r>
-            <a:r>
-              <a:rPr lang="en-US" baseline="0" dirty="0" smtClean="0"/>
-              <a:t> /</a:t>
-            </a:r>
-          </a:p>
-          <a:p>
-            <a:r>
-              <a:rPr lang="en-US" baseline="0" dirty="0" smtClean="0"/>
-              <a:t> David (Analyzing)</a:t>
+              <a:rPr lang="en-US" dirty="0" err="1" smtClean="0"/>
+              <a:t>collin</a:t>
             </a:r>
             <a:endParaRPr lang="en-US" dirty="0"/>
           </a:p>
@@ -9453,7 +9443,7 @@
           <a:p>
             <a:fld id="{58257545-B6F8-FF4A-8A8C-2F2D7572AA63}" type="datetimeFigureOut">
               <a:rPr lang="en-US" smtClean="0"/>
-              <a:t>4/15/15</a:t>
+              <a:t>4/16/2015</a:t>
             </a:fld>
             <a:endParaRPr lang="en-US"/>
           </a:p>
@@ -9812,7 +9802,7 @@
           <a:p>
             <a:fld id="{58257545-B6F8-FF4A-8A8C-2F2D7572AA63}" type="datetimeFigureOut">
               <a:rPr lang="en-US" smtClean="0"/>
-              <a:t>4/15/15</a:t>
+              <a:t>4/16/2015</a:t>
             </a:fld>
             <a:endParaRPr lang="en-US"/>
           </a:p>
@@ -9987,7 +9977,7 @@
           <a:p>
             <a:fld id="{58257545-B6F8-FF4A-8A8C-2F2D7572AA63}" type="datetimeFigureOut">
               <a:rPr lang="en-US" smtClean="0"/>
-              <a:t>4/15/15</a:t>
+              <a:t>4/16/2015</a:t>
             </a:fld>
             <a:endParaRPr lang="en-US"/>
           </a:p>
@@ -10222,7 +10212,7 @@
           <a:p>
             <a:fld id="{58257545-B6F8-FF4A-8A8C-2F2D7572AA63}" type="datetimeFigureOut">
               <a:rPr lang="en-US" smtClean="0"/>
-              <a:t>4/15/15</a:t>
+              <a:t>4/16/2015</a:t>
             </a:fld>
             <a:endParaRPr lang="en-US"/>
           </a:p>
@@ -10491,7 +10481,7 @@
           <a:p>
             <a:fld id="{58257545-B6F8-FF4A-8A8C-2F2D7572AA63}" type="datetimeFigureOut">
               <a:rPr lang="en-US" smtClean="0"/>
-              <a:t>4/15/15</a:t>
+              <a:t>4/16/2015</a:t>
             </a:fld>
             <a:endParaRPr lang="en-US"/>
           </a:p>
@@ -10711,7 +10701,7 @@
           <a:p>
             <a:fld id="{58257545-B6F8-FF4A-8A8C-2F2D7572AA63}" type="datetimeFigureOut">
               <a:rPr lang="en-US" smtClean="0"/>
-              <a:t>4/15/15</a:t>
+              <a:t>4/16/2015</a:t>
             </a:fld>
             <a:endParaRPr lang="en-US"/>
           </a:p>
@@ -11063,7 +11053,7 @@
           <a:p>
             <a:fld id="{58257545-B6F8-FF4A-8A8C-2F2D7572AA63}" type="datetimeFigureOut">
               <a:rPr lang="en-US" smtClean="0"/>
-              <a:t>4/15/15</a:t>
+              <a:t>4/16/2015</a:t>
             </a:fld>
             <a:endParaRPr lang="en-US"/>
           </a:p>
@@ -11295,7 +11285,7 @@
           <a:p>
             <a:fld id="{58257545-B6F8-FF4A-8A8C-2F2D7572AA63}" type="datetimeFigureOut">
               <a:rPr lang="en-US" smtClean="0"/>
-              <a:t>4/15/15</a:t>
+              <a:t>4/16/2015</a:t>
             </a:fld>
             <a:endParaRPr lang="en-US"/>
           </a:p>
@@ -11435,7 +11425,7 @@
           <a:p>
             <a:fld id="{58257545-B6F8-FF4A-8A8C-2F2D7572AA63}" type="datetimeFigureOut">
               <a:rPr lang="en-US" smtClean="0"/>
-              <a:t>4/15/15</a:t>
+              <a:t>4/16/2015</a:t>
             </a:fld>
             <a:endParaRPr lang="en-US"/>
           </a:p>
@@ -11712,7 +11702,7 @@
           <a:p>
             <a:fld id="{58257545-B6F8-FF4A-8A8C-2F2D7572AA63}" type="datetimeFigureOut">
               <a:rPr lang="en-US" smtClean="0"/>
-              <a:t>4/15/15</a:t>
+              <a:t>4/16/2015</a:t>
             </a:fld>
             <a:endParaRPr lang="en-US"/>
           </a:p>
@@ -12119,7 +12109,7 @@
           <a:p>
             <a:fld id="{58257545-B6F8-FF4A-8A8C-2F2D7572AA63}" type="datetimeFigureOut">
               <a:rPr lang="en-US" smtClean="0"/>
-              <a:t>4/15/15</a:t>
+              <a:t>4/16/2015</a:t>
             </a:fld>
             <a:endParaRPr lang="en-US"/>
           </a:p>
@@ -12457,7 +12447,7 @@
           <a:p>
             <a:fld id="{58257545-B6F8-FF4A-8A8C-2F2D7572AA63}" type="datetimeFigureOut">
               <a:rPr lang="en-US" smtClean="0"/>
-              <a:t>4/15/15</a:t>
+              <a:t>4/16/2015</a:t>
             </a:fld>
             <a:endParaRPr lang="en-US"/>
           </a:p>
@@ -13273,7 +13263,7 @@
   <p:timing>
     <p:tnLst>
       <p:par>
-        <p:cTn xmlns:p14="http://schemas.microsoft.com/office/powerpoint/2010/main" id="1" dur="indefinite" restart="never" nodeType="tmRoot"/>
+        <p:cTn id="1" dur="indefinite" restart="never" nodeType="tmRoot"/>
       </p:par>
     </p:tnLst>
   </p:timing>
@@ -13465,7 +13455,7 @@
   <p:timing>
     <p:tnLst>
       <p:par>
-        <p:cTn xmlns:p14="http://schemas.microsoft.com/office/powerpoint/2010/main" id="1" dur="indefinite" restart="never" nodeType="tmRoot"/>
+        <p:cTn id="1" dur="indefinite" restart="never" nodeType="tmRoot"/>
       </p:par>
     </p:tnLst>
   </p:timing>
@@ -13552,7 +13542,7 @@
   <p:timing>
     <p:tnLst>
       <p:par>
-        <p:cTn xmlns:p14="http://schemas.microsoft.com/office/powerpoint/2010/main" id="1" dur="indefinite" restart="never" nodeType="tmRoot"/>
+        <p:cTn id="1" dur="indefinite" restart="never" nodeType="tmRoot"/>
       </p:par>
     </p:tnLst>
   </p:timing>
@@ -13747,7 +13737,7 @@
   <p:timing>
     <p:tnLst>
       <p:par>
-        <p:cTn xmlns:p14="http://schemas.microsoft.com/office/powerpoint/2010/main" id="1" dur="indefinite" restart="never" nodeType="tmRoot"/>
+        <p:cTn id="1" dur="indefinite" restart="never" nodeType="tmRoot"/>
       </p:par>
     </p:tnLst>
   </p:timing>
@@ -13911,7 +13901,7 @@
   <p:timing>
     <p:tnLst>
       <p:par>
-        <p:cTn xmlns:p14="http://schemas.microsoft.com/office/powerpoint/2010/main" id="1" dur="indefinite" restart="never" nodeType="tmRoot"/>
+        <p:cTn id="1" dur="indefinite" restart="never" nodeType="tmRoot"/>
       </p:par>
     </p:tnLst>
   </p:timing>
@@ -14135,7 +14125,7 @@
   <p:timing>
     <p:tnLst>
       <p:par>
-        <p:cTn xmlns:p14="http://schemas.microsoft.com/office/powerpoint/2010/main" id="1" dur="indefinite" restart="never" nodeType="tmRoot"/>
+        <p:cTn id="1" dur="indefinite" restart="never" nodeType="tmRoot"/>
       </p:par>
     </p:tnLst>
   </p:timing>
@@ -14182,36 +14172,39 @@
           </a:p>
         </p:txBody>
       </p:sp>
-      <p:sp>
-        <p:nvSpPr>
-          <p:cNvPr id="3" name="TextBox 2"/>
-          <p:cNvSpPr txBox="1"/>
-          <p:nvPr/>
-        </p:nvSpPr>
+      <p:pic>
+        <p:nvPicPr>
+          <p:cNvPr id="4" name="NTDEMO_project.mp4">
+            <a:hlinkClick r:id="" action="ppaction://media"/>
+          </p:cNvPr>
+          <p:cNvPicPr>
+            <a:picLocks noChangeAspect="1"/>
+          </p:cNvPicPr>
+          <p:nvPr>
+            <a:videoFile r:link="rId2"/>
+            <p:extLst>
+              <p:ext uri="{DAA4B4D4-6D71-4841-9C94-3DE7FCFB9230}">
+                <p14:media xmlns:p14="http://schemas.microsoft.com/office/powerpoint/2010/main" r:embed="rId1"/>
+              </p:ext>
+            </p:extLst>
+          </p:nvPr>
+        </p:nvPicPr>
+        <p:blipFill>
+          <a:blip r:embed="rId5"/>
+          <a:stretch>
+            <a:fillRect/>
+          </a:stretch>
+        </p:blipFill>
         <p:spPr>
           <a:xfrm>
-            <a:off x="3531810" y="2757714"/>
-            <a:ext cx="2336209" cy="369332"/>
+            <a:off x="0" y="1109052"/>
+            <a:ext cx="9144000" cy="4614863"/>
           </a:xfrm>
           <a:prstGeom prst="rect">
             <a:avLst/>
           </a:prstGeom>
-          <a:noFill/>
         </p:spPr>
-        <p:txBody>
-          <a:bodyPr wrap="none" rtlCol="0">
-            <a:spAutoFit/>
-          </a:bodyPr>
-          <a:lstStyle/>
-          <a:p>
-            <a:r>
-              <a:rPr lang="en-US" dirty="0" smtClean="0"/>
-              <a:t>Embed demo into slide</a:t>
-            </a:r>
-            <a:endParaRPr lang="en-US" dirty="0"/>
-          </a:p>
-        </p:txBody>
-      </p:sp>
+      </p:pic>
     </p:spTree>
     <p:extLst>
       <p:ext uri="{BB962C8B-B14F-4D97-AF65-F5344CB8AC3E}">
@@ -14225,7 +14218,80 @@
   <p:timing>
     <p:tnLst>
       <p:par>
-        <p:cTn xmlns:p14="http://schemas.microsoft.com/office/powerpoint/2010/main" id="1" dur="indefinite" restart="never" nodeType="tmRoot"/>
+        <p:cTn id="1" dur="indefinite" restart="never" nodeType="tmRoot">
+          <p:childTnLst>
+            <p:seq concurrent="1" nextAc="seek">
+              <p:cTn id="2" restart="whenNotActive" fill="hold" evtFilter="cancelBubble" nodeType="interactiveSeq">
+                <p:stCondLst>
+                  <p:cond evt="onClick" delay="0">
+                    <p:tgtEl>
+                      <p:spTgt spid="4"/>
+                    </p:tgtEl>
+                  </p:cond>
+                </p:stCondLst>
+                <p:endSync evt="end" delay="0">
+                  <p:rtn val="all"/>
+                </p:endSync>
+                <p:childTnLst>
+                  <p:par>
+                    <p:cTn id="3" fill="hold">
+                      <p:stCondLst>
+                        <p:cond delay="0"/>
+                      </p:stCondLst>
+                      <p:childTnLst>
+                        <p:par>
+                          <p:cTn id="4" fill="hold">
+                            <p:stCondLst>
+                              <p:cond delay="0"/>
+                            </p:stCondLst>
+                            <p:childTnLst>
+                              <p:par>
+                                <p:cTn id="5" presetID="2" presetClass="mediacall" presetSubtype="0" fill="hold" nodeType="clickEffect">
+                                  <p:stCondLst>
+                                    <p:cond delay="0"/>
+                                  </p:stCondLst>
+                                  <p:childTnLst>
+                                    <p:cmd type="call" cmd="togglePause">
+                                      <p:cBhvr>
+                                        <p:cTn id="6" dur="1" fill="hold"/>
+                                        <p:tgtEl>
+                                          <p:spTgt spid="4"/>
+                                        </p:tgtEl>
+                                      </p:cBhvr>
+                                    </p:cmd>
+                                  </p:childTnLst>
+                                </p:cTn>
+                              </p:par>
+                            </p:childTnLst>
+                          </p:cTn>
+                        </p:par>
+                      </p:childTnLst>
+                    </p:cTn>
+                  </p:par>
+                </p:childTnLst>
+              </p:cTn>
+              <p:nextCondLst>
+                <p:cond evt="onClick" delay="0">
+                  <p:tgtEl>
+                    <p:spTgt spid="4"/>
+                  </p:tgtEl>
+                </p:cond>
+              </p:nextCondLst>
+            </p:seq>
+            <p:video>
+              <p:cMediaNode vol="80000">
+                <p:cTn id="7" fill="hold" display="0">
+                  <p:stCondLst>
+                    <p:cond delay="indefinite"/>
+                  </p:stCondLst>
+                </p:cTn>
+                <p:tgtEl>
+                  <p:spTgt spid="4"/>
+                </p:tgtEl>
+              </p:cMediaNode>
+            </p:video>
+          </p:childTnLst>
+        </p:cTn>
       </p:par>
     </p:tnLst>
   </p:timing>
@@ -14367,7 +14433,7 @@
   <p:timing>
     <p:tnLst>
       <p:par>
-        <p:cTn xmlns:p14="http://schemas.microsoft.com/office/powerpoint/2010/main" id="1" dur="indefinite" restart="never" nodeType="tmRoot"/>
+        <p:cTn id="1" dur="indefinite" restart="never" nodeType="tmRoot"/>
       </p:par>
     </p:tnLst>
   </p:timing>
@@ -14427,7 +14493,7 @@
   <p:timing>
     <p:tnLst>
       <p:par>
-        <p:cTn xmlns:p14="http://schemas.microsoft.com/office/powerpoint/2010/main" id="1" dur="indefinite" restart="never" nodeType="tmRoot"/>
+        <p:cTn id="1" dur="indefinite" restart="never" nodeType="tmRoot"/>
       </p:par>
     </p:tnLst>
   </p:timing>
@@ -14567,6 +14633,13 @@
   <p:clrMapOvr>
     <a:masterClrMapping/>
   </p:clrMapOvr>
+  <p:timing>
+    <p:tnLst>
+      <p:par>
+        <p:cTn id="1" dur="indefinite" restart="never" nodeType="tmRoot"/>
+      </p:par>
+    </p:tnLst>
+  </p:timing>
 </p:sld>
 </file>
 
@@ -14651,17 +14724,38 @@
                 <a:latin typeface="Myriad Pro"/>
                 <a:cs typeface="Myriad Pro"/>
               </a:rPr>
-              <a:t>Publically available centralized database of HT data</a:t>
-            </a:r>
-          </a:p>
-          <a:p>
-            <a:pPr lvl="1"/>
+              <a:t>Publicly </a:t>
+            </a:r>
             <a:r>
               <a:rPr lang="en-US" dirty="0" smtClean="0">
                 <a:latin typeface="Myriad Pro"/>
                 <a:cs typeface="Myriad Pro"/>
               </a:rPr>
-              <a:t>Support study for government, NGO’s, researchers, etc.</a:t>
+              <a:t>available centralized database of HT data</a:t>
+            </a:r>
+          </a:p>
+          <a:p>
+            <a:pPr lvl="1"/>
+            <a:r>
+              <a:rPr lang="en-US" dirty="0" smtClean="0">
+                <a:latin typeface="Myriad Pro"/>
+                <a:cs typeface="Myriad Pro"/>
+              </a:rPr>
+              <a:t>Support study for government, </a:t>
+            </a:r>
+            <a:r>
+              <a:rPr lang="en-US" dirty="0" smtClean="0">
+                <a:latin typeface="Myriad Pro"/>
+                <a:cs typeface="Myriad Pro"/>
+              </a:rPr>
+              <a:t>NGOs</a:t>
+            </a:r>
+            <a:r>
+              <a:rPr lang="en-US" dirty="0" smtClean="0">
+                <a:latin typeface="Myriad Pro"/>
+                <a:cs typeface="Myriad Pro"/>
+              </a:rPr>
+              <a:t>, researchers, etc.</a:t>
             </a:r>
           </a:p>
           <a:p>
@@ -14715,6 +14809,13 @@
   <p:clrMapOvr>
     <a:masterClrMapping/>
   </p:clrMapOvr>
+  <p:timing>
+    <p:tnLst>
+      <p:par>
+        <p:cTn id="1" dur="indefinite" restart="never" nodeType="tmRoot"/>
+      </p:par>
+    </p:tnLst>
+  </p:timing>
 </p:sld>
 </file>
 
@@ -14779,18 +14880,12 @@
               <a:rPr lang="en-US" sz="3600" dirty="0" smtClean="0"/>
               <a:t>Judge Frog Project Requirements</a:t>
             </a:r>
-            <a:endParaRPr lang="en-US" sz="3600" dirty="0" smtClean="0"/>
           </a:p>
           <a:p>
             <a:r>
               <a:rPr lang="en-US" sz="3600" dirty="0" smtClean="0"/>
-              <a:t>System </a:t>
-            </a:r>
-            <a:r>
-              <a:rPr lang="en-US" sz="3600" dirty="0" smtClean="0"/>
-              <a:t>Overview</a:t>
-            </a:r>
-            <a:endParaRPr lang="en-US" sz="3600" dirty="0" smtClean="0"/>
+              <a:t>System Overview</a:t>
+            </a:r>
           </a:p>
           <a:p>
             <a:r>
@@ -14811,20 +14906,11 @@
               <a:rPr lang="en-US" sz="3600" dirty="0" smtClean="0"/>
               <a:t>Technologies Used</a:t>
             </a:r>
-            <a:endParaRPr lang="en-US" sz="3600" dirty="0" smtClean="0"/>
           </a:p>
           <a:p>
             <a:r>
               <a:rPr lang="en-US" sz="3600" dirty="0" smtClean="0"/>
-              <a:t>Web </a:t>
-            </a:r>
-            <a:r>
-              <a:rPr lang="en-US" sz="3600" dirty="0" smtClean="0"/>
-              <a:t>A</a:t>
-            </a:r>
-            <a:r>
-              <a:rPr lang="en-US" sz="3600" dirty="0" smtClean="0"/>
-              <a:t>pplication</a:t>
+              <a:t>Web Application</a:t>
             </a:r>
           </a:p>
           <a:p>
@@ -14864,7 +14950,7 @@
   <p:timing>
     <p:tnLst>
       <p:par>
-        <p:cTn xmlns:p14="http://schemas.microsoft.com/office/powerpoint/2010/main" id="1" dur="indefinite" restart="never" nodeType="tmRoot"/>
+        <p:cTn id="1" dur="indefinite" restart="never" nodeType="tmRoot"/>
       </p:par>
     </p:tnLst>
   </p:timing>
@@ -15449,7 +15535,7 @@
   <p:timing>
     <p:tnLst>
       <p:par>
-        <p:cTn xmlns:p14="http://schemas.microsoft.com/office/powerpoint/2010/main" id="1" dur="indefinite" restart="never" nodeType="tmRoot"/>
+        <p:cTn id="1" dur="indefinite" restart="never" nodeType="tmRoot"/>
       </p:par>
     </p:tnLst>
   </p:timing>
@@ -15520,13 +15606,7 @@
               <a:rPr lang="en-US" sz="3600" dirty="0" smtClean="0">
                 <a:cs typeface="Myriad Pro"/>
               </a:rPr>
-              <a:t>Developed </a:t>
-            </a:r>
-            <a:r>
-              <a:rPr lang="en-US" sz="3600" dirty="0" smtClean="0">
-                <a:cs typeface="Myriad Pro"/>
-              </a:rPr>
-              <a:t>using MySQL5</a:t>
+              <a:t>Developed using MySQL5</a:t>
             </a:r>
           </a:p>
           <a:p>
@@ -15585,7 +15665,7 @@
   <p:timing>
     <p:tnLst>
       <p:par>
-        <p:cTn xmlns:p14="http://schemas.microsoft.com/office/powerpoint/2010/main" id="1" dur="indefinite" restart="never" nodeType="tmRoot"/>
+        <p:cTn id="1" dur="indefinite" restart="never" nodeType="tmRoot"/>
       </p:par>
     </p:tnLst>
   </p:timing>
@@ -15669,7 +15749,7 @@
   <p:timing>
     <p:tnLst>
       <p:par>
-        <p:cTn xmlns:p14="http://schemas.microsoft.com/office/powerpoint/2010/main" id="1" dur="indefinite" restart="never" nodeType="tmRoot"/>
+        <p:cTn id="1" dur="indefinite" restart="never" nodeType="tmRoot"/>
       </p:par>
     </p:tnLst>
   </p:timing>
@@ -15774,7 +15854,7 @@
   <p:timing>
     <p:tnLst>
       <p:par>
-        <p:cTn xmlns:p14="http://schemas.microsoft.com/office/powerpoint/2010/main" id="1" dur="indefinite" restart="never" nodeType="tmRoot"/>
+        <p:cTn id="1" dur="indefinite" restart="never" nodeType="tmRoot"/>
       </p:par>
     </p:tnLst>
   </p:timing>
@@ -15954,7 +16034,7 @@
   <p:timing>
     <p:tnLst>
       <p:par>
-        <p:cTn xmlns:p14="http://schemas.microsoft.com/office/powerpoint/2010/main" id="1" dur="indefinite" restart="never" nodeType="tmRoot"/>
+        <p:cTn id="1" dur="indefinite" restart="never" nodeType="tmRoot"/>
       </p:par>
     </p:tnLst>
   </p:timing>
